--- a/TON21TROD/meter.pptx
+++ b/TON21TROD/meter.pptx
@@ -243,7 +243,7 @@
           <a:p>
             <a:fld id="{2BE63CAF-B806-3348-ACA9-F229915A29BA}" type="datetimeFigureOut">
               <a:rPr kumimoji="1" lang="zh-CN" altLang="en-US" smtClean="0"/>
-              <a:t>2022/12/15</a:t>
+              <a:t>2023/3/15</a:t>
             </a:fld>
             <a:endParaRPr kumimoji="1" lang="zh-CN" altLang="en-US"/>
           </a:p>
@@ -413,7 +413,7 @@
           <a:p>
             <a:fld id="{2BE63CAF-B806-3348-ACA9-F229915A29BA}" type="datetimeFigureOut">
               <a:rPr kumimoji="1" lang="zh-CN" altLang="en-US" smtClean="0"/>
-              <a:t>2022/12/15</a:t>
+              <a:t>2023/3/15</a:t>
             </a:fld>
             <a:endParaRPr kumimoji="1" lang="zh-CN" altLang="en-US"/>
           </a:p>
@@ -593,7 +593,7 @@
           <a:p>
             <a:fld id="{2BE63CAF-B806-3348-ACA9-F229915A29BA}" type="datetimeFigureOut">
               <a:rPr kumimoji="1" lang="zh-CN" altLang="en-US" smtClean="0"/>
-              <a:t>2022/12/15</a:t>
+              <a:t>2023/3/15</a:t>
             </a:fld>
             <a:endParaRPr kumimoji="1" lang="zh-CN" altLang="en-US"/>
           </a:p>
@@ -763,7 +763,7 @@
           <a:p>
             <a:fld id="{2BE63CAF-B806-3348-ACA9-F229915A29BA}" type="datetimeFigureOut">
               <a:rPr kumimoji="1" lang="zh-CN" altLang="en-US" smtClean="0"/>
-              <a:t>2022/12/15</a:t>
+              <a:t>2023/3/15</a:t>
             </a:fld>
             <a:endParaRPr kumimoji="1" lang="zh-CN" altLang="en-US"/>
           </a:p>
@@ -1009,7 +1009,7 @@
           <a:p>
             <a:fld id="{2BE63CAF-B806-3348-ACA9-F229915A29BA}" type="datetimeFigureOut">
               <a:rPr kumimoji="1" lang="zh-CN" altLang="en-US" smtClean="0"/>
-              <a:t>2022/12/15</a:t>
+              <a:t>2023/3/15</a:t>
             </a:fld>
             <a:endParaRPr kumimoji="1" lang="zh-CN" altLang="en-US"/>
           </a:p>
@@ -1241,7 +1241,7 @@
           <a:p>
             <a:fld id="{2BE63CAF-B806-3348-ACA9-F229915A29BA}" type="datetimeFigureOut">
               <a:rPr kumimoji="1" lang="zh-CN" altLang="en-US" smtClean="0"/>
-              <a:t>2022/12/15</a:t>
+              <a:t>2023/3/15</a:t>
             </a:fld>
             <a:endParaRPr kumimoji="1" lang="zh-CN" altLang="en-US"/>
           </a:p>
@@ -1608,7 +1608,7 @@
           <a:p>
             <a:fld id="{2BE63CAF-B806-3348-ACA9-F229915A29BA}" type="datetimeFigureOut">
               <a:rPr kumimoji="1" lang="zh-CN" altLang="en-US" smtClean="0"/>
-              <a:t>2022/12/15</a:t>
+              <a:t>2023/3/15</a:t>
             </a:fld>
             <a:endParaRPr kumimoji="1" lang="zh-CN" altLang="en-US"/>
           </a:p>
@@ -1726,7 +1726,7 @@
           <a:p>
             <a:fld id="{2BE63CAF-B806-3348-ACA9-F229915A29BA}" type="datetimeFigureOut">
               <a:rPr kumimoji="1" lang="zh-CN" altLang="en-US" smtClean="0"/>
-              <a:t>2022/12/15</a:t>
+              <a:t>2023/3/15</a:t>
             </a:fld>
             <a:endParaRPr kumimoji="1" lang="zh-CN" altLang="en-US"/>
           </a:p>
@@ -1821,7 +1821,7 @@
           <a:p>
             <a:fld id="{2BE63CAF-B806-3348-ACA9-F229915A29BA}" type="datetimeFigureOut">
               <a:rPr kumimoji="1" lang="zh-CN" altLang="en-US" smtClean="0"/>
-              <a:t>2022/12/15</a:t>
+              <a:t>2023/3/15</a:t>
             </a:fld>
             <a:endParaRPr kumimoji="1" lang="zh-CN" altLang="en-US"/>
           </a:p>
@@ -2098,7 +2098,7 @@
           <a:p>
             <a:fld id="{2BE63CAF-B806-3348-ACA9-F229915A29BA}" type="datetimeFigureOut">
               <a:rPr kumimoji="1" lang="zh-CN" altLang="en-US" smtClean="0"/>
-              <a:t>2022/12/15</a:t>
+              <a:t>2023/3/15</a:t>
             </a:fld>
             <a:endParaRPr kumimoji="1" lang="zh-CN" altLang="en-US"/>
           </a:p>
@@ -2351,7 +2351,7 @@
           <a:p>
             <a:fld id="{2BE63CAF-B806-3348-ACA9-F229915A29BA}" type="datetimeFigureOut">
               <a:rPr kumimoji="1" lang="zh-CN" altLang="en-US" smtClean="0"/>
-              <a:t>2022/12/15</a:t>
+              <a:t>2023/3/15</a:t>
             </a:fld>
             <a:endParaRPr kumimoji="1" lang="zh-CN" altLang="en-US"/>
           </a:p>
@@ -2564,7 +2564,7 @@
           <a:p>
             <a:fld id="{2BE63CAF-B806-3348-ACA9-F229915A29BA}" type="datetimeFigureOut">
               <a:rPr kumimoji="1" lang="zh-CN" altLang="en-US" smtClean="0"/>
-              <a:t>2022/12/15</a:t>
+              <a:t>2023/3/15</a:t>
             </a:fld>
             <a:endParaRPr kumimoji="1" lang="zh-CN" altLang="en-US"/>
           </a:p>
@@ -3402,57 +3402,112 @@
             <a:chExt cx="10874139" cy="3277614"/>
           </a:xfrm>
         </p:grpSpPr>
-        <p:sp>
-          <p:nvSpPr>
-            <p:cNvPr id="4" name="矩形 3"/>
-            <p:cNvSpPr/>
-            <p:nvPr/>
-          </p:nvSpPr>
-          <p:spPr>
-            <a:xfrm>
-              <a:off x="1866659" y="1451183"/>
-              <a:ext cx="1134575" cy="2133600"/>
-            </a:xfrm>
-            <a:prstGeom prst="rect">
-              <a:avLst/>
-            </a:prstGeom>
-            <a:ln w="25400"/>
-          </p:spPr>
-          <p:style>
-            <a:lnRef idx="2">
-              <a:schemeClr val="dk1"/>
-            </a:lnRef>
-            <a:fillRef idx="1">
-              <a:schemeClr val="lt1"/>
-            </a:fillRef>
-            <a:effectRef idx="0">
-              <a:schemeClr val="dk1"/>
-            </a:effectRef>
-            <a:fontRef idx="minor">
-              <a:schemeClr val="dk1"/>
-            </a:fontRef>
-          </p:style>
-          <p:txBody>
-            <a:bodyPr rtlCol="0" anchor="ctr"/>
-            <a:lstStyle/>
-            <a:p>
-              <a:pPr algn="ctr"/>
-              <a:r>
-                <a:rPr kumimoji="1" lang="en-US" altLang="zh-CN" dirty="0" smtClean="0">
-                  <a:latin typeface="Microsoft YaHei" charset="-122"/>
-                  <a:ea typeface="Microsoft YaHei" charset="-122"/>
-                  <a:cs typeface="Microsoft YaHei" charset="-122"/>
-                </a:rPr>
-                <a:t>DSCP=0</a:t>
-              </a:r>
-              <a:endParaRPr kumimoji="1" lang="zh-CN" altLang="en-US" dirty="0">
-                <a:latin typeface="Microsoft YaHei" charset="-122"/>
-                <a:ea typeface="Microsoft YaHei" charset="-122"/>
-                <a:cs typeface="Microsoft YaHei" charset="-122"/>
-              </a:endParaRPr>
-            </a:p>
-          </p:txBody>
-        </p:sp>
+        <mc:AlternateContent xmlns:mc="http://schemas.openxmlformats.org/markup-compatibility/2006">
+          <mc:Choice xmlns:a14="http://schemas.microsoft.com/office/drawing/2010/main" Requires="a14">
+            <p:sp>
+              <p:nvSpPr>
+                <p:cNvPr id="4" name="矩形 3"/>
+                <p:cNvSpPr/>
+                <p:nvPr/>
+              </p:nvSpPr>
+              <p:spPr>
+                <a:xfrm>
+                  <a:off x="1866659" y="1451183"/>
+                  <a:ext cx="1134575" cy="2133600"/>
+                </a:xfrm>
+                <a:prstGeom prst="rect">
+                  <a:avLst/>
+                </a:prstGeom>
+                <a:ln w="25400"/>
+              </p:spPr>
+              <p:style>
+                <a:lnRef idx="2">
+                  <a:schemeClr val="dk1"/>
+                </a:lnRef>
+                <a:fillRef idx="1">
+                  <a:schemeClr val="lt1"/>
+                </a:fillRef>
+                <a:effectRef idx="0">
+                  <a:schemeClr val="dk1"/>
+                </a:effectRef>
+                <a:fontRef idx="minor">
+                  <a:schemeClr val="dk1"/>
+                </a:fontRef>
+              </p:style>
+              <p:txBody>
+                <a:bodyPr rtlCol="0" anchor="ctr"/>
+                <a:lstStyle/>
+                <a:p>
+                  <a:pPr algn="ctr"/>
+                  <a:r>
+                    <a:rPr kumimoji="1" lang="en-US" altLang="zh-CN" dirty="0" smtClean="0">
+                      <a:latin typeface="Microsoft YaHei" charset="-122"/>
+                      <a:ea typeface="Microsoft YaHei" charset="-122"/>
+                      <a:cs typeface="Microsoft YaHei" charset="-122"/>
+                    </a:rPr>
+                    <a:t>DSCP=</a:t>
+                  </a:r>
+                  <a14:m>
+                    <m:oMath xmlns:m="http://schemas.openxmlformats.org/officeDocument/2006/math">
+                      <m:r>
+                        <a:rPr kumimoji="1" lang="en-US" altLang="zh-CN" b="0" i="1" smtClean="0">
+                          <a:latin typeface="Cambria Math" charset="0"/>
+                          <a:ea typeface="Microsoft YaHei" charset="-122"/>
+                          <a:cs typeface="Microsoft YaHei" charset="-122"/>
+                        </a:rPr>
+                        <m:t>𝑥</m:t>
+                      </m:r>
+                    </m:oMath>
+                  </a14:m>
+                  <a:endParaRPr kumimoji="1" lang="zh-CN" altLang="en-US" dirty="0">
+                    <a:latin typeface="Microsoft YaHei" charset="-122"/>
+                    <a:ea typeface="Microsoft YaHei" charset="-122"/>
+                    <a:cs typeface="Microsoft YaHei" charset="-122"/>
+                  </a:endParaRPr>
+                </a:p>
+              </p:txBody>
+            </p:sp>
+          </mc:Choice>
+          <mc:Fallback>
+            <p:sp>
+              <p:nvSpPr>
+                <p:cNvPr id="4" name="矩形 3"/>
+                <p:cNvSpPr>
+                  <a:spLocks noRot="1" noChangeAspect="1" noMove="1" noResize="1" noEditPoints="1" noAdjustHandles="1" noChangeArrowheads="1" noChangeShapeType="1" noTextEdit="1"/>
+                </p:cNvSpPr>
+                <p:nvPr/>
+              </p:nvSpPr>
+              <p:spPr>
+                <a:xfrm>
+                  <a:off x="1866659" y="1451183"/>
+                  <a:ext cx="1134575" cy="2133600"/>
+                </a:xfrm>
+                <a:prstGeom prst="rect">
+                  <a:avLst/>
+                </a:prstGeom>
+                <a:blipFill rotWithShape="0">
+                  <a:blip r:embed="rId2"/>
+                  <a:stretch>
+                    <a:fillRect l="-1053"/>
+                  </a:stretch>
+                </a:blipFill>
+                <a:ln w="25400"/>
+              </p:spPr>
+              <p:txBody>
+                <a:bodyPr/>
+                <a:lstStyle/>
+                <a:p>
+                  <a:r>
+                    <a:rPr lang="zh-CN" altLang="en-US">
+                      <a:noFill/>
+                    </a:rPr>
+                    <a:t> </a:t>
+                  </a:r>
+                </a:p>
+              </p:txBody>
+            </p:sp>
+          </mc:Fallback>
+        </mc:AlternateContent>
         <p:cxnSp>
           <p:nvCxnSpPr>
             <p:cNvPr id="5" name="直线箭头连接符 4"/>
@@ -3720,7 +3775,7 @@
                   <a:avLst/>
                 </a:prstGeom>
                 <a:blipFill rotWithShape="0">
-                  <a:blip r:embed="rId2"/>
+                  <a:blip r:embed="rId3"/>
                   <a:stretch>
                     <a:fillRect l="-1826" r="-1826"/>
                   </a:stretch>
@@ -4065,108 +4120,218 @@
             </p:sp>
           </mc:Fallback>
         </mc:AlternateContent>
-        <p:sp>
-          <p:nvSpPr>
-            <p:cNvPr id="15" name="矩形 14"/>
-            <p:cNvSpPr/>
-            <p:nvPr/>
-          </p:nvSpPr>
-          <p:spPr>
-            <a:xfrm>
-              <a:off x="5605376" y="1443263"/>
-              <a:ext cx="1134575" cy="441841"/>
-            </a:xfrm>
-            <a:prstGeom prst="rect">
-              <a:avLst/>
-            </a:prstGeom>
-            <a:ln w="25400"/>
-          </p:spPr>
-          <p:style>
-            <a:lnRef idx="2">
-              <a:schemeClr val="dk1"/>
-            </a:lnRef>
-            <a:fillRef idx="1">
-              <a:schemeClr val="lt1"/>
-            </a:fillRef>
-            <a:effectRef idx="0">
-              <a:schemeClr val="dk1"/>
-            </a:effectRef>
-            <a:fontRef idx="minor">
-              <a:schemeClr val="dk1"/>
-            </a:fontRef>
-          </p:style>
-          <p:txBody>
-            <a:bodyPr rtlCol="0" anchor="ctr"/>
-            <a:lstStyle/>
-            <a:p>
-              <a:pPr algn="ctr"/>
-              <a:r>
-                <a:rPr kumimoji="1" lang="en-US" altLang="zh-CN" dirty="0" smtClean="0">
-                  <a:latin typeface="Microsoft YaHei" charset="-122"/>
-                  <a:ea typeface="Microsoft YaHei" charset="-122"/>
-                  <a:cs typeface="Microsoft YaHei" charset="-122"/>
-                </a:rPr>
-                <a:t>DSCP=4</a:t>
-              </a:r>
-              <a:endParaRPr kumimoji="1" lang="zh-CN" altLang="en-US" dirty="0">
-                <a:latin typeface="Microsoft YaHei" charset="-122"/>
-                <a:ea typeface="Microsoft YaHei" charset="-122"/>
-                <a:cs typeface="Microsoft YaHei" charset="-122"/>
-              </a:endParaRPr>
-            </a:p>
-          </p:txBody>
-        </p:sp>
-        <p:sp>
-          <p:nvSpPr>
-            <p:cNvPr id="16" name="矩形 15"/>
-            <p:cNvSpPr/>
-            <p:nvPr/>
-          </p:nvSpPr>
-          <p:spPr>
-            <a:xfrm>
-              <a:off x="5605376" y="1920842"/>
-              <a:ext cx="1134575" cy="1745953"/>
-            </a:xfrm>
-            <a:prstGeom prst="rect">
-              <a:avLst/>
-            </a:prstGeom>
-            <a:ln w="25400"/>
-          </p:spPr>
-          <p:style>
-            <a:lnRef idx="2">
-              <a:schemeClr val="dk1"/>
-            </a:lnRef>
-            <a:fillRef idx="1">
-              <a:schemeClr val="lt1"/>
-            </a:fillRef>
-            <a:effectRef idx="0">
-              <a:schemeClr val="dk1"/>
-            </a:effectRef>
-            <a:fontRef idx="minor">
-              <a:schemeClr val="dk1"/>
-            </a:fontRef>
-          </p:style>
-          <p:txBody>
-            <a:bodyPr rtlCol="0" anchor="ctr"/>
-            <a:lstStyle/>
-            <a:p>
-              <a:pPr algn="ctr"/>
-              <a:r>
-                <a:rPr kumimoji="1" lang="en-US" altLang="zh-CN" dirty="0" smtClean="0">
-                  <a:latin typeface="Microsoft YaHei" charset="-122"/>
-                  <a:ea typeface="Microsoft YaHei" charset="-122"/>
-                  <a:cs typeface="Microsoft YaHei" charset="-122"/>
-                </a:rPr>
-                <a:t>DSCP=0</a:t>
-              </a:r>
-              <a:endParaRPr kumimoji="1" lang="zh-CN" altLang="en-US" dirty="0">
-                <a:latin typeface="Microsoft YaHei" charset="-122"/>
-                <a:ea typeface="Microsoft YaHei" charset="-122"/>
-                <a:cs typeface="Microsoft YaHei" charset="-122"/>
-              </a:endParaRPr>
-            </a:p>
-          </p:txBody>
-        </p:sp>
+        <mc:AlternateContent xmlns:mc="http://schemas.openxmlformats.org/markup-compatibility/2006" xmlns:a14="http://schemas.microsoft.com/office/drawing/2010/main">
+          <mc:Choice Requires="a14">
+            <p:sp>
+              <p:nvSpPr>
+                <p:cNvPr id="15" name="矩形 14"/>
+                <p:cNvSpPr/>
+                <p:nvPr/>
+              </p:nvSpPr>
+              <p:spPr>
+                <a:xfrm>
+                  <a:off x="5605376" y="1443263"/>
+                  <a:ext cx="1134575" cy="441841"/>
+                </a:xfrm>
+                <a:prstGeom prst="rect">
+                  <a:avLst/>
+                </a:prstGeom>
+                <a:ln w="25400"/>
+              </p:spPr>
+              <p:style>
+                <a:lnRef idx="2">
+                  <a:schemeClr val="dk1"/>
+                </a:lnRef>
+                <a:fillRef idx="1">
+                  <a:schemeClr val="lt1"/>
+                </a:fillRef>
+                <a:effectRef idx="0">
+                  <a:schemeClr val="dk1"/>
+                </a:effectRef>
+                <a:fontRef idx="minor">
+                  <a:schemeClr val="dk1"/>
+                </a:fontRef>
+              </p:style>
+              <p:txBody>
+                <a:bodyPr rtlCol="0" anchor="ctr"/>
+                <a:lstStyle/>
+                <a:p>
+                  <a:pPr algn="ctr"/>
+                  <a:r>
+                    <a:rPr kumimoji="1" lang="en-US" altLang="zh-CN" dirty="0" smtClean="0">
+                      <a:latin typeface="Microsoft YaHei" charset="-122"/>
+                      <a:ea typeface="Microsoft YaHei" charset="-122"/>
+                      <a:cs typeface="Microsoft YaHei" charset="-122"/>
+                    </a:rPr>
+                    <a:t>DSCP=</a:t>
+                  </a:r>
+                  <a14:m>
+                    <m:oMath xmlns:m="http://schemas.openxmlformats.org/officeDocument/2006/math">
+                      <m:r>
+                        <a:rPr kumimoji="1" lang="en-US" altLang="zh-CN" b="0" i="1" smtClean="0">
+                          <a:latin typeface="Cambria Math" charset="0"/>
+                          <a:ea typeface="Microsoft YaHei" charset="-122"/>
+                          <a:cs typeface="Microsoft YaHei" charset="-122"/>
+                        </a:rPr>
+                        <m:t>𝑦</m:t>
+                      </m:r>
+                    </m:oMath>
+                  </a14:m>
+                  <a:endParaRPr kumimoji="1" lang="zh-CN" altLang="en-US" dirty="0">
+                    <a:latin typeface="Microsoft YaHei" charset="-122"/>
+                    <a:ea typeface="Microsoft YaHei" charset="-122"/>
+                    <a:cs typeface="Microsoft YaHei" charset="-122"/>
+                  </a:endParaRPr>
+                </a:p>
+              </p:txBody>
+            </p:sp>
+          </mc:Choice>
+          <mc:Fallback xmlns="">
+            <p:sp>
+              <p:nvSpPr>
+                <p:cNvPr id="15" name="矩形 14"/>
+                <p:cNvSpPr>
+                  <a:spLocks noRot="1" noChangeAspect="1" noMove="1" noResize="1" noEditPoints="1" noAdjustHandles="1" noChangeArrowheads="1" noChangeShapeType="1" noTextEdit="1"/>
+                </p:cNvSpPr>
+                <p:nvPr/>
+              </p:nvSpPr>
+              <p:spPr>
+                <a:xfrm>
+                  <a:off x="5605376" y="1443263"/>
+                  <a:ext cx="1134575" cy="441841"/>
+                </a:xfrm>
+                <a:prstGeom prst="rect">
+                  <a:avLst/>
+                </a:prstGeom>
+                <a:blipFill rotWithShape="0">
+                  <a:blip r:embed="rId6"/>
+                  <a:stretch>
+                    <a:fillRect l="-2105" b="-10390"/>
+                  </a:stretch>
+                </a:blipFill>
+                <a:ln w="25400"/>
+              </p:spPr>
+              <p:txBody>
+                <a:bodyPr/>
+                <a:lstStyle/>
+                <a:p>
+                  <a:r>
+                    <a:rPr lang="zh-CN" altLang="en-US">
+                      <a:noFill/>
+                    </a:rPr>
+                    <a:t> </a:t>
+                  </a:r>
+                </a:p>
+              </p:txBody>
+            </p:sp>
+          </mc:Fallback>
+        </mc:AlternateContent>
+        <mc:AlternateContent xmlns:mc="http://schemas.openxmlformats.org/markup-compatibility/2006" xmlns:a14="http://schemas.microsoft.com/office/drawing/2010/main">
+          <mc:Choice Requires="a14">
+            <p:sp>
+              <p:nvSpPr>
+                <p:cNvPr id="16" name="矩形 15"/>
+                <p:cNvSpPr/>
+                <p:nvPr/>
+              </p:nvSpPr>
+              <p:spPr>
+                <a:xfrm>
+                  <a:off x="5605376" y="1920842"/>
+                  <a:ext cx="1134575" cy="1745953"/>
+                </a:xfrm>
+                <a:prstGeom prst="rect">
+                  <a:avLst/>
+                </a:prstGeom>
+                <a:ln w="25400"/>
+              </p:spPr>
+              <p:style>
+                <a:lnRef idx="2">
+                  <a:schemeClr val="dk1"/>
+                </a:lnRef>
+                <a:fillRef idx="1">
+                  <a:schemeClr val="lt1"/>
+                </a:fillRef>
+                <a:effectRef idx="0">
+                  <a:schemeClr val="dk1"/>
+                </a:effectRef>
+                <a:fontRef idx="minor">
+                  <a:schemeClr val="dk1"/>
+                </a:fontRef>
+              </p:style>
+              <p:txBody>
+                <a:bodyPr rtlCol="0" anchor="ctr"/>
+                <a:lstStyle/>
+                <a:p>
+                  <a:pPr algn="ctr"/>
+                  <a:r>
+                    <a:rPr kumimoji="1" lang="en-US" altLang="zh-CN" dirty="0" smtClean="0">
+                      <a:latin typeface="Microsoft YaHei" charset="-122"/>
+                      <a:ea typeface="Microsoft YaHei" charset="-122"/>
+                      <a:cs typeface="Microsoft YaHei" charset="-122"/>
+                    </a:rPr>
+                    <a:t>DSCP=</a:t>
+                  </a:r>
+                  <a14:m>
+                    <m:oMath xmlns:m="http://schemas.openxmlformats.org/officeDocument/2006/math">
+                      <m:r>
+                        <a:rPr kumimoji="1" lang="en-US" altLang="zh-CN" b="0" i="1" smtClean="0">
+                          <a:latin typeface="Cambria Math" charset="0"/>
+                          <a:ea typeface="Microsoft YaHei" charset="-122"/>
+                          <a:cs typeface="Microsoft YaHei" charset="-122"/>
+                        </a:rPr>
+                        <m:t>𝑥</m:t>
+                      </m:r>
+                    </m:oMath>
+                  </a14:m>
+                  <a:endParaRPr kumimoji="1" lang="zh-CN" altLang="en-US" i="1" dirty="0">
+                    <a:latin typeface="Cambria Math" charset="0"/>
+                    <a:ea typeface="Cambria Math" charset="0"/>
+                    <a:cs typeface="Cambria Math" charset="0"/>
+                  </a:endParaRPr>
+                </a:p>
+              </p:txBody>
+            </p:sp>
+          </mc:Choice>
+          <mc:Fallback xmlns="">
+            <p:sp>
+              <p:nvSpPr>
+                <p:cNvPr id="16" name="矩形 15"/>
+                <p:cNvSpPr>
+                  <a:spLocks noRot="1" noChangeAspect="1" noMove="1" noResize="1" noEditPoints="1" noAdjustHandles="1" noChangeArrowheads="1" noChangeShapeType="1" noTextEdit="1"/>
+                </p:cNvSpPr>
+                <p:nvPr/>
+              </p:nvSpPr>
+              <p:spPr>
+                <a:xfrm>
+                  <a:off x="5605376" y="1920842"/>
+                  <a:ext cx="1134575" cy="1745953"/>
+                </a:xfrm>
+                <a:prstGeom prst="rect">
+                  <a:avLst/>
+                </a:prstGeom>
+                <a:blipFill rotWithShape="0">
+                  <a:blip r:embed="rId7"/>
+                  <a:stretch>
+                    <a:fillRect l="-1579"/>
+                  </a:stretch>
+                </a:blipFill>
+                <a:ln w="25400"/>
+              </p:spPr>
+              <p:txBody>
+                <a:bodyPr/>
+                <a:lstStyle/>
+                <a:p>
+                  <a:r>
+                    <a:rPr lang="zh-CN" altLang="en-US">
+                      <a:noFill/>
+                    </a:rPr>
+                    <a:t> </a:t>
+                  </a:r>
+                </a:p>
+              </p:txBody>
+            </p:sp>
+          </mc:Fallback>
+        </mc:AlternateContent>
         <p:cxnSp>
           <p:nvCxnSpPr>
             <p:cNvPr id="17" name="直线连接符 16"/>

--- a/TON21TROD/meter.pptx
+++ b/TON21TROD/meter.pptx
@@ -6,6 +6,7 @@
   </p:sldMasterIdLst>
   <p:sldIdLst>
     <p:sldId id="256" r:id="rId2"/>
+    <p:sldId id="257" r:id="rId3"/>
   </p:sldIdLst>
   <p:sldSz cx="12192000" cy="6858000"/>
   <p:notesSz cx="6858000" cy="9144000"/>
@@ -154,10 +155,9 @@
           </a:lstStyle>
           <a:p>
             <a:r>
-              <a:rPr kumimoji="1" lang="zh-CN" altLang="en-US" smtClean="0"/>
+              <a:rPr kumimoji="1" lang="zh-CN" altLang="en-US"/>
               <a:t>单击此处编辑母版标题样式</a:t>
             </a:r>
-            <a:endParaRPr kumimoji="1" lang="zh-CN" altLang="en-US"/>
           </a:p>
         </p:txBody>
       </p:sp>
@@ -219,10 +219,9 @@
           </a:lstStyle>
           <a:p>
             <a:r>
-              <a:rPr kumimoji="1" lang="zh-CN" altLang="en-US" smtClean="0"/>
+              <a:rPr kumimoji="1" lang="zh-CN" altLang="en-US"/>
               <a:t>单击此处编辑母版副标题样式</a:t>
             </a:r>
-            <a:endParaRPr kumimoji="1" lang="zh-CN" altLang="en-US"/>
           </a:p>
         </p:txBody>
       </p:sp>
@@ -243,7 +242,7 @@
           <a:p>
             <a:fld id="{2BE63CAF-B806-3348-ACA9-F229915A29BA}" type="datetimeFigureOut">
               <a:rPr kumimoji="1" lang="zh-CN" altLang="en-US" smtClean="0"/>
-              <a:t>2023/3/15</a:t>
+              <a:t>2023/5/23</a:t>
             </a:fld>
             <a:endParaRPr kumimoji="1" lang="zh-CN" altLang="en-US"/>
           </a:p>
@@ -337,10 +336,9 @@
           <a:lstStyle/>
           <a:p>
             <a:r>
-              <a:rPr kumimoji="1" lang="zh-CN" altLang="en-US" smtClean="0"/>
+              <a:rPr kumimoji="1" lang="zh-CN" altLang="en-US"/>
               <a:t>单击此处编辑母版标题样式</a:t>
             </a:r>
-            <a:endParaRPr kumimoji="1" lang="zh-CN" altLang="en-US"/>
           </a:p>
         </p:txBody>
       </p:sp>
@@ -361,38 +359,37 @@
           <a:p>
             <a:pPr lvl="0"/>
             <a:r>
-              <a:rPr kumimoji="1" lang="zh-CN" altLang="en-US" smtClean="0"/>
+              <a:rPr kumimoji="1" lang="zh-CN" altLang="en-US"/>
               <a:t>单击此处编辑母版文本样式</a:t>
             </a:r>
           </a:p>
           <a:p>
             <a:pPr lvl="1"/>
             <a:r>
-              <a:rPr kumimoji="1" lang="zh-CN" altLang="en-US" smtClean="0"/>
+              <a:rPr kumimoji="1" lang="zh-CN" altLang="en-US"/>
               <a:t>二级</a:t>
             </a:r>
           </a:p>
           <a:p>
             <a:pPr lvl="2"/>
             <a:r>
-              <a:rPr kumimoji="1" lang="zh-CN" altLang="en-US" smtClean="0"/>
+              <a:rPr kumimoji="1" lang="zh-CN" altLang="en-US"/>
               <a:t>三级</a:t>
             </a:r>
           </a:p>
           <a:p>
             <a:pPr lvl="3"/>
             <a:r>
-              <a:rPr kumimoji="1" lang="zh-CN" altLang="en-US" smtClean="0"/>
+              <a:rPr kumimoji="1" lang="zh-CN" altLang="en-US"/>
               <a:t>四级</a:t>
             </a:r>
           </a:p>
           <a:p>
             <a:pPr lvl="4"/>
             <a:r>
-              <a:rPr kumimoji="1" lang="zh-CN" altLang="en-US" smtClean="0"/>
+              <a:rPr kumimoji="1" lang="zh-CN" altLang="en-US"/>
               <a:t>五级</a:t>
             </a:r>
-            <a:endParaRPr kumimoji="1" lang="zh-CN" altLang="en-US"/>
           </a:p>
         </p:txBody>
       </p:sp>
@@ -413,7 +410,7 @@
           <a:p>
             <a:fld id="{2BE63CAF-B806-3348-ACA9-F229915A29BA}" type="datetimeFigureOut">
               <a:rPr kumimoji="1" lang="zh-CN" altLang="en-US" smtClean="0"/>
-              <a:t>2023/3/15</a:t>
+              <a:t>2023/5/23</a:t>
             </a:fld>
             <a:endParaRPr kumimoji="1" lang="zh-CN" altLang="en-US"/>
           </a:p>
@@ -512,10 +509,9 @@
           <a:lstStyle/>
           <a:p>
             <a:r>
-              <a:rPr kumimoji="1" lang="zh-CN" altLang="en-US" smtClean="0"/>
+              <a:rPr kumimoji="1" lang="zh-CN" altLang="en-US"/>
               <a:t>单击此处编辑母版标题样式</a:t>
             </a:r>
-            <a:endParaRPr kumimoji="1" lang="zh-CN" altLang="en-US"/>
           </a:p>
         </p:txBody>
       </p:sp>
@@ -541,38 +537,37 @@
           <a:p>
             <a:pPr lvl="0"/>
             <a:r>
-              <a:rPr kumimoji="1" lang="zh-CN" altLang="en-US" smtClean="0"/>
+              <a:rPr kumimoji="1" lang="zh-CN" altLang="en-US"/>
               <a:t>单击此处编辑母版文本样式</a:t>
             </a:r>
           </a:p>
           <a:p>
             <a:pPr lvl="1"/>
             <a:r>
-              <a:rPr kumimoji="1" lang="zh-CN" altLang="en-US" smtClean="0"/>
+              <a:rPr kumimoji="1" lang="zh-CN" altLang="en-US"/>
               <a:t>二级</a:t>
             </a:r>
           </a:p>
           <a:p>
             <a:pPr lvl="2"/>
             <a:r>
-              <a:rPr kumimoji="1" lang="zh-CN" altLang="en-US" smtClean="0"/>
+              <a:rPr kumimoji="1" lang="zh-CN" altLang="en-US"/>
               <a:t>三级</a:t>
             </a:r>
           </a:p>
           <a:p>
             <a:pPr lvl="3"/>
             <a:r>
-              <a:rPr kumimoji="1" lang="zh-CN" altLang="en-US" smtClean="0"/>
+              <a:rPr kumimoji="1" lang="zh-CN" altLang="en-US"/>
               <a:t>四级</a:t>
             </a:r>
           </a:p>
           <a:p>
             <a:pPr lvl="4"/>
             <a:r>
-              <a:rPr kumimoji="1" lang="zh-CN" altLang="en-US" smtClean="0"/>
+              <a:rPr kumimoji="1" lang="zh-CN" altLang="en-US"/>
               <a:t>五级</a:t>
             </a:r>
-            <a:endParaRPr kumimoji="1" lang="zh-CN" altLang="en-US"/>
           </a:p>
         </p:txBody>
       </p:sp>
@@ -593,7 +588,7 @@
           <a:p>
             <a:fld id="{2BE63CAF-B806-3348-ACA9-F229915A29BA}" type="datetimeFigureOut">
               <a:rPr kumimoji="1" lang="zh-CN" altLang="en-US" smtClean="0"/>
-              <a:t>2023/3/15</a:t>
+              <a:t>2023/5/23</a:t>
             </a:fld>
             <a:endParaRPr kumimoji="1" lang="zh-CN" altLang="en-US"/>
           </a:p>
@@ -687,10 +682,9 @@
           <a:lstStyle/>
           <a:p>
             <a:r>
-              <a:rPr kumimoji="1" lang="zh-CN" altLang="en-US" smtClean="0"/>
+              <a:rPr kumimoji="1" lang="zh-CN" altLang="en-US"/>
               <a:t>单击此处编辑母版标题样式</a:t>
             </a:r>
-            <a:endParaRPr kumimoji="1" lang="zh-CN" altLang="en-US"/>
           </a:p>
         </p:txBody>
       </p:sp>
@@ -711,38 +705,37 @@
           <a:p>
             <a:pPr lvl="0"/>
             <a:r>
-              <a:rPr kumimoji="1" lang="zh-CN" altLang="en-US" smtClean="0"/>
+              <a:rPr kumimoji="1" lang="zh-CN" altLang="en-US"/>
               <a:t>单击此处编辑母版文本样式</a:t>
             </a:r>
           </a:p>
           <a:p>
             <a:pPr lvl="1"/>
             <a:r>
-              <a:rPr kumimoji="1" lang="zh-CN" altLang="en-US" smtClean="0"/>
+              <a:rPr kumimoji="1" lang="zh-CN" altLang="en-US"/>
               <a:t>二级</a:t>
             </a:r>
           </a:p>
           <a:p>
             <a:pPr lvl="2"/>
             <a:r>
-              <a:rPr kumimoji="1" lang="zh-CN" altLang="en-US" smtClean="0"/>
+              <a:rPr kumimoji="1" lang="zh-CN" altLang="en-US"/>
               <a:t>三级</a:t>
             </a:r>
           </a:p>
           <a:p>
             <a:pPr lvl="3"/>
             <a:r>
-              <a:rPr kumimoji="1" lang="zh-CN" altLang="en-US" smtClean="0"/>
+              <a:rPr kumimoji="1" lang="zh-CN" altLang="en-US"/>
               <a:t>四级</a:t>
             </a:r>
           </a:p>
           <a:p>
             <a:pPr lvl="4"/>
             <a:r>
-              <a:rPr kumimoji="1" lang="zh-CN" altLang="en-US" smtClean="0"/>
+              <a:rPr kumimoji="1" lang="zh-CN" altLang="en-US"/>
               <a:t>五级</a:t>
             </a:r>
-            <a:endParaRPr kumimoji="1" lang="zh-CN" altLang="en-US"/>
           </a:p>
         </p:txBody>
       </p:sp>
@@ -763,7 +756,7 @@
           <a:p>
             <a:fld id="{2BE63CAF-B806-3348-ACA9-F229915A29BA}" type="datetimeFigureOut">
               <a:rPr kumimoji="1" lang="zh-CN" altLang="en-US" smtClean="0"/>
-              <a:t>2023/3/15</a:t>
+              <a:t>2023/5/23</a:t>
             </a:fld>
             <a:endParaRPr kumimoji="1" lang="zh-CN" altLang="en-US"/>
           </a:p>
@@ -866,10 +859,9 @@
           </a:lstStyle>
           <a:p>
             <a:r>
-              <a:rPr kumimoji="1" lang="zh-CN" altLang="en-US" smtClean="0"/>
+              <a:rPr kumimoji="1" lang="zh-CN" altLang="en-US"/>
               <a:t>单击此处编辑母版标题样式</a:t>
             </a:r>
-            <a:endParaRPr kumimoji="1" lang="zh-CN" altLang="en-US"/>
           </a:p>
         </p:txBody>
       </p:sp>
@@ -986,7 +978,7 @@
           <a:p>
             <a:pPr lvl="0"/>
             <a:r>
-              <a:rPr kumimoji="1" lang="zh-CN" altLang="en-US" smtClean="0"/>
+              <a:rPr kumimoji="1" lang="zh-CN" altLang="en-US"/>
               <a:t>单击此处编辑母版文本样式</a:t>
             </a:r>
           </a:p>
@@ -1009,7 +1001,7 @@
           <a:p>
             <a:fld id="{2BE63CAF-B806-3348-ACA9-F229915A29BA}" type="datetimeFigureOut">
               <a:rPr kumimoji="1" lang="zh-CN" altLang="en-US" smtClean="0"/>
-              <a:t>2023/3/15</a:t>
+              <a:t>2023/5/23</a:t>
             </a:fld>
             <a:endParaRPr kumimoji="1" lang="zh-CN" altLang="en-US"/>
           </a:p>
@@ -1103,10 +1095,9 @@
           <a:lstStyle/>
           <a:p>
             <a:r>
-              <a:rPr kumimoji="1" lang="zh-CN" altLang="en-US" smtClean="0"/>
+              <a:rPr kumimoji="1" lang="zh-CN" altLang="en-US"/>
               <a:t>单击此处编辑母版标题样式</a:t>
             </a:r>
-            <a:endParaRPr kumimoji="1" lang="zh-CN" altLang="en-US"/>
           </a:p>
         </p:txBody>
       </p:sp>
@@ -1132,38 +1123,37 @@
           <a:p>
             <a:pPr lvl="0"/>
             <a:r>
-              <a:rPr kumimoji="1" lang="zh-CN" altLang="en-US" smtClean="0"/>
+              <a:rPr kumimoji="1" lang="zh-CN" altLang="en-US"/>
               <a:t>单击此处编辑母版文本样式</a:t>
             </a:r>
           </a:p>
           <a:p>
             <a:pPr lvl="1"/>
             <a:r>
-              <a:rPr kumimoji="1" lang="zh-CN" altLang="en-US" smtClean="0"/>
+              <a:rPr kumimoji="1" lang="zh-CN" altLang="en-US"/>
               <a:t>二级</a:t>
             </a:r>
           </a:p>
           <a:p>
             <a:pPr lvl="2"/>
             <a:r>
-              <a:rPr kumimoji="1" lang="zh-CN" altLang="en-US" smtClean="0"/>
+              <a:rPr kumimoji="1" lang="zh-CN" altLang="en-US"/>
               <a:t>三级</a:t>
             </a:r>
           </a:p>
           <a:p>
             <a:pPr lvl="3"/>
             <a:r>
-              <a:rPr kumimoji="1" lang="zh-CN" altLang="en-US" smtClean="0"/>
+              <a:rPr kumimoji="1" lang="zh-CN" altLang="en-US"/>
               <a:t>四级</a:t>
             </a:r>
           </a:p>
           <a:p>
             <a:pPr lvl="4"/>
             <a:r>
-              <a:rPr kumimoji="1" lang="zh-CN" altLang="en-US" smtClean="0"/>
+              <a:rPr kumimoji="1" lang="zh-CN" altLang="en-US"/>
               <a:t>五级</a:t>
             </a:r>
-            <a:endParaRPr kumimoji="1" lang="zh-CN" altLang="en-US"/>
           </a:p>
         </p:txBody>
       </p:sp>
@@ -1189,38 +1179,37 @@
           <a:p>
             <a:pPr lvl="0"/>
             <a:r>
-              <a:rPr kumimoji="1" lang="zh-CN" altLang="en-US" smtClean="0"/>
+              <a:rPr kumimoji="1" lang="zh-CN" altLang="en-US"/>
               <a:t>单击此处编辑母版文本样式</a:t>
             </a:r>
           </a:p>
           <a:p>
             <a:pPr lvl="1"/>
             <a:r>
-              <a:rPr kumimoji="1" lang="zh-CN" altLang="en-US" smtClean="0"/>
+              <a:rPr kumimoji="1" lang="zh-CN" altLang="en-US"/>
               <a:t>二级</a:t>
             </a:r>
           </a:p>
           <a:p>
             <a:pPr lvl="2"/>
             <a:r>
-              <a:rPr kumimoji="1" lang="zh-CN" altLang="en-US" smtClean="0"/>
+              <a:rPr kumimoji="1" lang="zh-CN" altLang="en-US"/>
               <a:t>三级</a:t>
             </a:r>
           </a:p>
           <a:p>
             <a:pPr lvl="3"/>
             <a:r>
-              <a:rPr kumimoji="1" lang="zh-CN" altLang="en-US" smtClean="0"/>
+              <a:rPr kumimoji="1" lang="zh-CN" altLang="en-US"/>
               <a:t>四级</a:t>
             </a:r>
           </a:p>
           <a:p>
             <a:pPr lvl="4"/>
             <a:r>
-              <a:rPr kumimoji="1" lang="zh-CN" altLang="en-US" smtClean="0"/>
+              <a:rPr kumimoji="1" lang="zh-CN" altLang="en-US"/>
               <a:t>五级</a:t>
             </a:r>
-            <a:endParaRPr kumimoji="1" lang="zh-CN" altLang="en-US"/>
           </a:p>
         </p:txBody>
       </p:sp>
@@ -1241,7 +1230,7 @@
           <a:p>
             <a:fld id="{2BE63CAF-B806-3348-ACA9-F229915A29BA}" type="datetimeFigureOut">
               <a:rPr kumimoji="1" lang="zh-CN" altLang="en-US" smtClean="0"/>
-              <a:t>2023/3/15</a:t>
+              <a:t>2023/5/23</a:t>
             </a:fld>
             <a:endParaRPr kumimoji="1" lang="zh-CN" altLang="en-US"/>
           </a:p>
@@ -1340,10 +1329,9 @@
           <a:lstStyle/>
           <a:p>
             <a:r>
-              <a:rPr kumimoji="1" lang="zh-CN" altLang="en-US" smtClean="0"/>
+              <a:rPr kumimoji="1" lang="zh-CN" altLang="en-US"/>
               <a:t>单击此处编辑母版标题样式</a:t>
             </a:r>
-            <a:endParaRPr kumimoji="1" lang="zh-CN" altLang="en-US"/>
           </a:p>
         </p:txBody>
       </p:sp>
@@ -1406,7 +1394,7 @@
           <a:p>
             <a:pPr lvl="0"/>
             <a:r>
-              <a:rPr kumimoji="1" lang="zh-CN" altLang="en-US" smtClean="0"/>
+              <a:rPr kumimoji="1" lang="zh-CN" altLang="en-US"/>
               <a:t>单击此处编辑母版文本样式</a:t>
             </a:r>
           </a:p>
@@ -1434,38 +1422,37 @@
           <a:p>
             <a:pPr lvl="0"/>
             <a:r>
-              <a:rPr kumimoji="1" lang="zh-CN" altLang="en-US" smtClean="0"/>
+              <a:rPr kumimoji="1" lang="zh-CN" altLang="en-US"/>
               <a:t>单击此处编辑母版文本样式</a:t>
             </a:r>
           </a:p>
           <a:p>
             <a:pPr lvl="1"/>
             <a:r>
-              <a:rPr kumimoji="1" lang="zh-CN" altLang="en-US" smtClean="0"/>
+              <a:rPr kumimoji="1" lang="zh-CN" altLang="en-US"/>
               <a:t>二级</a:t>
             </a:r>
           </a:p>
           <a:p>
             <a:pPr lvl="2"/>
             <a:r>
-              <a:rPr kumimoji="1" lang="zh-CN" altLang="en-US" smtClean="0"/>
+              <a:rPr kumimoji="1" lang="zh-CN" altLang="en-US"/>
               <a:t>三级</a:t>
             </a:r>
           </a:p>
           <a:p>
             <a:pPr lvl="3"/>
             <a:r>
-              <a:rPr kumimoji="1" lang="zh-CN" altLang="en-US" smtClean="0"/>
+              <a:rPr kumimoji="1" lang="zh-CN" altLang="en-US"/>
               <a:t>四级</a:t>
             </a:r>
           </a:p>
           <a:p>
             <a:pPr lvl="4"/>
             <a:r>
-              <a:rPr kumimoji="1" lang="zh-CN" altLang="en-US" smtClean="0"/>
+              <a:rPr kumimoji="1" lang="zh-CN" altLang="en-US"/>
               <a:t>五级</a:t>
             </a:r>
-            <a:endParaRPr kumimoji="1" lang="zh-CN" altLang="en-US"/>
           </a:p>
         </p:txBody>
       </p:sp>
@@ -1528,7 +1515,7 @@
           <a:p>
             <a:pPr lvl="0"/>
             <a:r>
-              <a:rPr kumimoji="1" lang="zh-CN" altLang="en-US" smtClean="0"/>
+              <a:rPr kumimoji="1" lang="zh-CN" altLang="en-US"/>
               <a:t>单击此处编辑母版文本样式</a:t>
             </a:r>
           </a:p>
@@ -1556,38 +1543,37 @@
           <a:p>
             <a:pPr lvl="0"/>
             <a:r>
-              <a:rPr kumimoji="1" lang="zh-CN" altLang="en-US" smtClean="0"/>
+              <a:rPr kumimoji="1" lang="zh-CN" altLang="en-US"/>
               <a:t>单击此处编辑母版文本样式</a:t>
             </a:r>
           </a:p>
           <a:p>
             <a:pPr lvl="1"/>
             <a:r>
-              <a:rPr kumimoji="1" lang="zh-CN" altLang="en-US" smtClean="0"/>
+              <a:rPr kumimoji="1" lang="zh-CN" altLang="en-US"/>
               <a:t>二级</a:t>
             </a:r>
           </a:p>
           <a:p>
             <a:pPr lvl="2"/>
             <a:r>
-              <a:rPr kumimoji="1" lang="zh-CN" altLang="en-US" smtClean="0"/>
+              <a:rPr kumimoji="1" lang="zh-CN" altLang="en-US"/>
               <a:t>三级</a:t>
             </a:r>
           </a:p>
           <a:p>
             <a:pPr lvl="3"/>
             <a:r>
-              <a:rPr kumimoji="1" lang="zh-CN" altLang="en-US" smtClean="0"/>
+              <a:rPr kumimoji="1" lang="zh-CN" altLang="en-US"/>
               <a:t>四级</a:t>
             </a:r>
           </a:p>
           <a:p>
             <a:pPr lvl="4"/>
             <a:r>
-              <a:rPr kumimoji="1" lang="zh-CN" altLang="en-US" smtClean="0"/>
+              <a:rPr kumimoji="1" lang="zh-CN" altLang="en-US"/>
               <a:t>五级</a:t>
             </a:r>
-            <a:endParaRPr kumimoji="1" lang="zh-CN" altLang="en-US"/>
           </a:p>
         </p:txBody>
       </p:sp>
@@ -1608,7 +1594,7 @@
           <a:p>
             <a:fld id="{2BE63CAF-B806-3348-ACA9-F229915A29BA}" type="datetimeFigureOut">
               <a:rPr kumimoji="1" lang="zh-CN" altLang="en-US" smtClean="0"/>
-              <a:t>2023/3/15</a:t>
+              <a:t>2023/5/23</a:t>
             </a:fld>
             <a:endParaRPr kumimoji="1" lang="zh-CN" altLang="en-US"/>
           </a:p>
@@ -1702,10 +1688,9 @@
           <a:lstStyle/>
           <a:p>
             <a:r>
-              <a:rPr kumimoji="1" lang="zh-CN" altLang="en-US" smtClean="0"/>
+              <a:rPr kumimoji="1" lang="zh-CN" altLang="en-US"/>
               <a:t>单击此处编辑母版标题样式</a:t>
             </a:r>
-            <a:endParaRPr kumimoji="1" lang="zh-CN" altLang="en-US"/>
           </a:p>
         </p:txBody>
       </p:sp>
@@ -1726,7 +1711,7 @@
           <a:p>
             <a:fld id="{2BE63CAF-B806-3348-ACA9-F229915A29BA}" type="datetimeFigureOut">
               <a:rPr kumimoji="1" lang="zh-CN" altLang="en-US" smtClean="0"/>
-              <a:t>2023/3/15</a:t>
+              <a:t>2023/5/23</a:t>
             </a:fld>
             <a:endParaRPr kumimoji="1" lang="zh-CN" altLang="en-US"/>
           </a:p>
@@ -1821,7 +1806,7 @@
           <a:p>
             <a:fld id="{2BE63CAF-B806-3348-ACA9-F229915A29BA}" type="datetimeFigureOut">
               <a:rPr kumimoji="1" lang="zh-CN" altLang="en-US" smtClean="0"/>
-              <a:t>2023/3/15</a:t>
+              <a:t>2023/5/23</a:t>
             </a:fld>
             <a:endParaRPr kumimoji="1" lang="zh-CN" altLang="en-US"/>
           </a:p>
@@ -1924,10 +1909,9 @@
           </a:lstStyle>
           <a:p>
             <a:r>
-              <a:rPr kumimoji="1" lang="zh-CN" altLang="en-US" smtClean="0"/>
+              <a:rPr kumimoji="1" lang="zh-CN" altLang="en-US"/>
               <a:t>单击此处编辑母版标题样式</a:t>
             </a:r>
-            <a:endParaRPr kumimoji="1" lang="zh-CN" altLang="en-US"/>
           </a:p>
         </p:txBody>
       </p:sp>
@@ -1981,38 +1965,37 @@
           <a:p>
             <a:pPr lvl="0"/>
             <a:r>
-              <a:rPr kumimoji="1" lang="zh-CN" altLang="en-US" smtClean="0"/>
+              <a:rPr kumimoji="1" lang="zh-CN" altLang="en-US"/>
               <a:t>单击此处编辑母版文本样式</a:t>
             </a:r>
           </a:p>
           <a:p>
             <a:pPr lvl="1"/>
             <a:r>
-              <a:rPr kumimoji="1" lang="zh-CN" altLang="en-US" smtClean="0"/>
+              <a:rPr kumimoji="1" lang="zh-CN" altLang="en-US"/>
               <a:t>二级</a:t>
             </a:r>
           </a:p>
           <a:p>
             <a:pPr lvl="2"/>
             <a:r>
-              <a:rPr kumimoji="1" lang="zh-CN" altLang="en-US" smtClean="0"/>
+              <a:rPr kumimoji="1" lang="zh-CN" altLang="en-US"/>
               <a:t>三级</a:t>
             </a:r>
           </a:p>
           <a:p>
             <a:pPr lvl="3"/>
             <a:r>
-              <a:rPr kumimoji="1" lang="zh-CN" altLang="en-US" smtClean="0"/>
+              <a:rPr kumimoji="1" lang="zh-CN" altLang="en-US"/>
               <a:t>四级</a:t>
             </a:r>
           </a:p>
           <a:p>
             <a:pPr lvl="4"/>
             <a:r>
-              <a:rPr kumimoji="1" lang="zh-CN" altLang="en-US" smtClean="0"/>
+              <a:rPr kumimoji="1" lang="zh-CN" altLang="en-US"/>
               <a:t>五级</a:t>
             </a:r>
-            <a:endParaRPr kumimoji="1" lang="zh-CN" altLang="en-US"/>
           </a:p>
         </p:txBody>
       </p:sp>
@@ -2075,7 +2058,7 @@
           <a:p>
             <a:pPr lvl="0"/>
             <a:r>
-              <a:rPr kumimoji="1" lang="zh-CN" altLang="en-US" smtClean="0"/>
+              <a:rPr kumimoji="1" lang="zh-CN" altLang="en-US"/>
               <a:t>单击此处编辑母版文本样式</a:t>
             </a:r>
           </a:p>
@@ -2098,7 +2081,7 @@
           <a:p>
             <a:fld id="{2BE63CAF-B806-3348-ACA9-F229915A29BA}" type="datetimeFigureOut">
               <a:rPr kumimoji="1" lang="zh-CN" altLang="en-US" smtClean="0"/>
-              <a:t>2023/3/15</a:t>
+              <a:t>2023/5/23</a:t>
             </a:fld>
             <a:endParaRPr kumimoji="1" lang="zh-CN" altLang="en-US"/>
           </a:p>
@@ -2201,10 +2184,9 @@
           </a:lstStyle>
           <a:p>
             <a:r>
-              <a:rPr kumimoji="1" lang="zh-CN" altLang="en-US" smtClean="0"/>
+              <a:rPr kumimoji="1" lang="zh-CN" altLang="en-US"/>
               <a:t>单击此处编辑母版标题样式</a:t>
             </a:r>
-            <a:endParaRPr kumimoji="1" lang="zh-CN" altLang="en-US"/>
           </a:p>
         </p:txBody>
       </p:sp>
@@ -2328,7 +2310,7 @@
           <a:p>
             <a:pPr lvl="0"/>
             <a:r>
-              <a:rPr kumimoji="1" lang="zh-CN" altLang="en-US" smtClean="0"/>
+              <a:rPr kumimoji="1" lang="zh-CN" altLang="en-US"/>
               <a:t>单击此处编辑母版文本样式</a:t>
             </a:r>
           </a:p>
@@ -2351,7 +2333,7 @@
           <a:p>
             <a:fld id="{2BE63CAF-B806-3348-ACA9-F229915A29BA}" type="datetimeFigureOut">
               <a:rPr kumimoji="1" lang="zh-CN" altLang="en-US" smtClean="0"/>
-              <a:t>2023/3/15</a:t>
+              <a:t>2023/5/23</a:t>
             </a:fld>
             <a:endParaRPr kumimoji="1" lang="zh-CN" altLang="en-US"/>
           </a:p>
@@ -2460,10 +2442,9 @@
           <a:lstStyle/>
           <a:p>
             <a:r>
-              <a:rPr kumimoji="1" lang="zh-CN" altLang="en-US" smtClean="0"/>
+              <a:rPr kumimoji="1" lang="zh-CN" altLang="en-US"/>
               <a:t>单击此处编辑母版标题样式</a:t>
             </a:r>
-            <a:endParaRPr kumimoji="1" lang="zh-CN" altLang="en-US"/>
           </a:p>
         </p:txBody>
       </p:sp>
@@ -2494,38 +2475,37 @@
           <a:p>
             <a:pPr lvl="0"/>
             <a:r>
-              <a:rPr kumimoji="1" lang="zh-CN" altLang="en-US" smtClean="0"/>
+              <a:rPr kumimoji="1" lang="zh-CN" altLang="en-US"/>
               <a:t>单击此处编辑母版文本样式</a:t>
             </a:r>
           </a:p>
           <a:p>
             <a:pPr lvl="1"/>
             <a:r>
-              <a:rPr kumimoji="1" lang="zh-CN" altLang="en-US" smtClean="0"/>
+              <a:rPr kumimoji="1" lang="zh-CN" altLang="en-US"/>
               <a:t>二级</a:t>
             </a:r>
           </a:p>
           <a:p>
             <a:pPr lvl="2"/>
             <a:r>
-              <a:rPr kumimoji="1" lang="zh-CN" altLang="en-US" smtClean="0"/>
+              <a:rPr kumimoji="1" lang="zh-CN" altLang="en-US"/>
               <a:t>三级</a:t>
             </a:r>
           </a:p>
           <a:p>
             <a:pPr lvl="3"/>
             <a:r>
-              <a:rPr kumimoji="1" lang="zh-CN" altLang="en-US" smtClean="0"/>
+              <a:rPr kumimoji="1" lang="zh-CN" altLang="en-US"/>
               <a:t>四级</a:t>
             </a:r>
           </a:p>
           <a:p>
             <a:pPr lvl="4"/>
             <a:r>
-              <a:rPr kumimoji="1" lang="zh-CN" altLang="en-US" smtClean="0"/>
+              <a:rPr kumimoji="1" lang="zh-CN" altLang="en-US"/>
               <a:t>五级</a:t>
             </a:r>
-            <a:endParaRPr kumimoji="1" lang="zh-CN" altLang="en-US"/>
           </a:p>
         </p:txBody>
       </p:sp>
@@ -2564,7 +2544,7 @@
           <a:p>
             <a:fld id="{2BE63CAF-B806-3348-ACA9-F229915A29BA}" type="datetimeFigureOut">
               <a:rPr kumimoji="1" lang="zh-CN" altLang="en-US" smtClean="0"/>
-              <a:t>2023/3/15</a:t>
+              <a:t>2023/5/23</a:t>
             </a:fld>
             <a:endParaRPr kumimoji="1" lang="zh-CN" altLang="en-US"/>
           </a:p>
@@ -3046,7 +3026,7 @@
               </a:lnSpc>
             </a:pPr>
             <a:r>
-              <a:rPr lang="zh-CN" altLang="en-US" sz="2200" dirty="0" smtClean="0">
+              <a:rPr lang="zh-CN" altLang="en-US" sz="2200" dirty="0">
                 <a:solidFill>
                   <a:schemeClr val="accent2"/>
                 </a:solidFill>
@@ -3057,7 +3037,7 @@
               <a:t>汇聚层交换机需支持</a:t>
             </a:r>
             <a:r>
-              <a:rPr lang="en-US" altLang="zh-CN" sz="2200" dirty="0" smtClean="0">
+              <a:rPr lang="en-US" altLang="zh-CN" sz="2200" dirty="0">
                 <a:solidFill>
                   <a:schemeClr val="accent2"/>
                 </a:solidFill>
@@ -3068,7 +3048,7 @@
               <a:t>openflow1.3</a:t>
             </a:r>
             <a:r>
-              <a:rPr lang="zh-CN" altLang="en-US" sz="2200" dirty="0" smtClean="0">
+              <a:rPr lang="zh-CN" altLang="en-US" sz="2200" dirty="0">
                 <a:solidFill>
                   <a:schemeClr val="accent2"/>
                 </a:solidFill>
@@ -3079,7 +3059,7 @@
               <a:t>的多级流表以及</a:t>
             </a:r>
             <a:r>
-              <a:rPr lang="en-US" altLang="zh-CN" sz="2200" dirty="0" smtClean="0">
+              <a:rPr lang="en-US" altLang="zh-CN" sz="2200" dirty="0">
                 <a:solidFill>
                   <a:schemeClr val="accent2"/>
                 </a:solidFill>
@@ -3090,7 +3070,7 @@
               <a:t>meter</a:t>
             </a:r>
             <a:r>
-              <a:rPr lang="zh-CN" altLang="en-US" sz="2200" dirty="0" smtClean="0">
+              <a:rPr lang="zh-CN" altLang="en-US" sz="2200" dirty="0">
                 <a:solidFill>
                   <a:schemeClr val="accent2"/>
                 </a:solidFill>
@@ -3101,7 +3081,7 @@
               <a:t>表</a:t>
             </a:r>
             <a:r>
-              <a:rPr lang="en-US" altLang="zh-CN" sz="2200" dirty="0" err="1" smtClean="0">
+              <a:rPr lang="en-US" altLang="zh-CN" sz="2200" dirty="0" err="1">
                 <a:solidFill>
                   <a:schemeClr val="accent2"/>
                 </a:solidFill>
@@ -3112,7 +3092,7 @@
               <a:t>dscp</a:t>
             </a:r>
             <a:r>
-              <a:rPr lang="zh-CN" altLang="en-US" sz="2200" dirty="0" smtClean="0">
+              <a:rPr lang="zh-CN" altLang="en-US" sz="2200" dirty="0">
                 <a:solidFill>
                   <a:schemeClr val="accent2"/>
                 </a:solidFill>
@@ -3402,8 +3382,8 @@
             <a:chExt cx="10874139" cy="3277614"/>
           </a:xfrm>
         </p:grpSpPr>
-        <mc:AlternateContent xmlns:mc="http://schemas.openxmlformats.org/markup-compatibility/2006">
-          <mc:Choice xmlns:a14="http://schemas.microsoft.com/office/drawing/2010/main" Requires="a14">
+        <mc:AlternateContent xmlns:mc="http://schemas.openxmlformats.org/markup-compatibility/2006" xmlns:a14="http://schemas.microsoft.com/office/drawing/2010/main">
+          <mc:Choice Requires="a14">
             <p:sp>
               <p:nvSpPr>
                 <p:cNvPr id="4" name="矩形 3"/>
@@ -3440,7 +3420,7 @@
                 <a:p>
                   <a:pPr algn="ctr"/>
                   <a:r>
-                    <a:rPr kumimoji="1" lang="en-US" altLang="zh-CN" dirty="0" smtClean="0">
+                    <a:rPr kumimoji="1" lang="en-US" altLang="zh-CN" dirty="0">
                       <a:latin typeface="Microsoft YaHei" charset="-122"/>
                       <a:ea typeface="Microsoft YaHei" charset="-122"/>
                       <a:cs typeface="Microsoft YaHei" charset="-122"/>
@@ -3468,7 +3448,7 @@
               </p:txBody>
             </p:sp>
           </mc:Choice>
-          <mc:Fallback>
+          <mc:Fallback xmlns="">
             <p:sp>
               <p:nvSpPr>
                 <p:cNvPr id="4" name="矩形 3"/>
@@ -3565,20 +3545,12 @@
             <a:lstStyle/>
             <a:p>
               <a:r>
-                <a:rPr kumimoji="1" lang="en-US" altLang="zh-CN" dirty="0" smtClean="0">
-                  <a:latin typeface="Microsoft YaHei" charset="-122"/>
-                  <a:ea typeface="Microsoft YaHei" charset="-122"/>
-                  <a:cs typeface="Microsoft YaHei" charset="-122"/>
-                </a:rPr>
-                <a:t>Rate(Mbps</a:t>
-              </a:r>
-              <a:r>
                 <a:rPr kumimoji="1" lang="en-US" altLang="zh-CN" dirty="0">
                   <a:latin typeface="Microsoft YaHei" charset="-122"/>
                   <a:ea typeface="Microsoft YaHei" charset="-122"/>
                   <a:cs typeface="Microsoft YaHei" charset="-122"/>
                 </a:rPr>
-                <a:t>)</a:t>
+                <a:t>Rate(Mbps)</a:t>
               </a:r>
               <a:endParaRPr kumimoji="1" lang="zh-CN" altLang="en-US" dirty="0">
                 <a:latin typeface="Microsoft YaHei" charset="-122"/>
@@ -3610,14 +3582,14 @@
             <a:lstStyle/>
             <a:p>
               <a:r>
-                <a:rPr kumimoji="1" lang="en-US" altLang="zh-CN" smtClean="0">
+                <a:rPr kumimoji="1" lang="en-US" altLang="zh-CN">
                   <a:latin typeface="Microsoft YaHei" charset="-122"/>
                   <a:ea typeface="Microsoft YaHei" charset="-122"/>
                   <a:cs typeface="Microsoft YaHei" charset="-122"/>
                 </a:rPr>
                 <a:t>Flows</a:t>
               </a:r>
-              <a:endParaRPr kumimoji="1" lang="en-US" altLang="zh-CN" dirty="0" smtClean="0">
+              <a:endParaRPr kumimoji="1" lang="en-US" altLang="zh-CN" dirty="0">
                 <a:latin typeface="Microsoft YaHei" charset="-122"/>
                 <a:ea typeface="Microsoft YaHei" charset="-122"/>
                 <a:cs typeface="Microsoft YaHei" charset="-122"/>
@@ -3663,7 +3635,7 @@
                 <a:p>
                   <a:pPr algn="ctr"/>
                   <a:r>
-                    <a:rPr kumimoji="1" lang="en-US" altLang="zh-CN" dirty="0" smtClean="0">
+                    <a:rPr kumimoji="1" lang="en-US" altLang="zh-CN" dirty="0">
                       <a:latin typeface="Microsoft YaHei" charset="-122"/>
                       <a:ea typeface="Microsoft YaHei" charset="-122"/>
                       <a:cs typeface="Microsoft YaHei" charset="-122"/>
@@ -3671,7 +3643,7 @@
                     <a:t>Meter</a:t>
                   </a:r>
                   <a:r>
-                    <a:rPr kumimoji="1" lang="zh-CN" altLang="en-US" dirty="0" smtClean="0">
+                    <a:rPr kumimoji="1" lang="zh-CN" altLang="en-US" dirty="0">
                       <a:latin typeface="Microsoft YaHei" charset="-122"/>
                       <a:ea typeface="Microsoft YaHei" charset="-122"/>
                       <a:cs typeface="Microsoft YaHei" charset="-122"/>
@@ -3679,7 +3651,7 @@
                     <a:t> </a:t>
                   </a:r>
                   <a:r>
-                    <a:rPr kumimoji="1" lang="en-US" altLang="zh-CN" dirty="0" smtClean="0">
+                    <a:rPr kumimoji="1" lang="en-US" altLang="zh-CN" dirty="0">
                       <a:latin typeface="Microsoft YaHei" charset="-122"/>
                       <a:ea typeface="Microsoft YaHei" charset="-122"/>
                       <a:cs typeface="Microsoft YaHei" charset="-122"/>
@@ -3687,14 +3659,14 @@
                     <a:t>Table</a:t>
                   </a:r>
                   <a:r>
-                    <a:rPr kumimoji="1" lang="zh-CN" altLang="en-US" dirty="0" smtClean="0">
+                    <a:rPr kumimoji="1" lang="zh-CN" altLang="en-US" dirty="0">
                       <a:latin typeface="Microsoft YaHei" charset="-122"/>
                       <a:ea typeface="Microsoft YaHei" charset="-122"/>
                       <a:cs typeface="Microsoft YaHei" charset="-122"/>
                     </a:rPr>
                     <a:t> </a:t>
                   </a:r>
-                  <a:endParaRPr kumimoji="1" lang="en-US" altLang="zh-CN" dirty="0" smtClean="0">
+                  <a:endParaRPr kumimoji="1" lang="en-US" altLang="zh-CN" dirty="0">
                     <a:latin typeface="Microsoft YaHei" charset="-122"/>
                     <a:ea typeface="Microsoft YaHei" charset="-122"/>
                     <a:cs typeface="Microsoft YaHei" charset="-122"/>
@@ -3703,7 +3675,7 @@
                 <a:p>
                   <a:pPr algn="ctr"/>
                   <a:r>
-                    <a:rPr kumimoji="1" lang="en-US" altLang="zh-CN" dirty="0" smtClean="0">
+                    <a:rPr kumimoji="1" lang="en-US" altLang="zh-CN" dirty="0">
                       <a:latin typeface="Microsoft YaHei" charset="-122"/>
                       <a:ea typeface="Microsoft YaHei" charset="-122"/>
                       <a:cs typeface="Microsoft YaHei" charset="-122"/>
@@ -3714,7 +3686,7 @@
                 <a:p>
                   <a:pPr algn="ctr"/>
                   <a:r>
-                    <a:rPr kumimoji="1" lang="en-US" altLang="zh-CN" dirty="0" smtClean="0">
+                    <a:rPr kumimoji="1" lang="en-US" altLang="zh-CN" dirty="0">
                       <a:latin typeface="Microsoft YaHei" charset="-122"/>
                       <a:ea typeface="Microsoft YaHei" charset="-122"/>
                       <a:cs typeface="Microsoft YaHei" charset="-122"/>
@@ -3725,7 +3697,7 @@
                 <a:p>
                   <a:pPr algn="ctr"/>
                   <a:r>
-                    <a:rPr kumimoji="1" lang="en-US" altLang="zh-CN" dirty="0" smtClean="0">
+                    <a:rPr kumimoji="1" lang="en-US" altLang="zh-CN" dirty="0">
                       <a:latin typeface="Microsoft YaHei" charset="-122"/>
                       <a:ea typeface="Microsoft YaHei" charset="-122"/>
                       <a:cs typeface="Microsoft YaHei" charset="-122"/>
@@ -3733,7 +3705,7 @@
                     <a:t>Threshold</a:t>
                   </a:r>
                   <a:r>
-                    <a:rPr kumimoji="1" lang="zh-CN" altLang="en-US" dirty="0" smtClean="0">
+                    <a:rPr kumimoji="1" lang="zh-CN" altLang="en-US" dirty="0">
                       <a:latin typeface="Microsoft YaHei" charset="-122"/>
                       <a:ea typeface="Microsoft YaHei" charset="-122"/>
                       <a:cs typeface="Microsoft YaHei" charset="-122"/>
@@ -3966,7 +3938,7 @@
                 <a:lstStyle/>
                 <a:p>
                   <a:r>
-                    <a:rPr kumimoji="1" lang="en-US" altLang="zh-CN" smtClean="0">
+                    <a:rPr kumimoji="1" lang="en-US" altLang="zh-CN">
                       <a:latin typeface="Microsoft YaHei" charset="-122"/>
                       <a:ea typeface="Microsoft YaHei" charset="-122"/>
                       <a:cs typeface="Microsoft YaHei" charset="-122"/>
@@ -4158,7 +4130,7 @@
                 <a:p>
                   <a:pPr algn="ctr"/>
                   <a:r>
-                    <a:rPr kumimoji="1" lang="en-US" altLang="zh-CN" dirty="0" smtClean="0">
+                    <a:rPr kumimoji="1" lang="en-US" altLang="zh-CN" dirty="0">
                       <a:latin typeface="Microsoft YaHei" charset="-122"/>
                       <a:ea typeface="Microsoft YaHei" charset="-122"/>
                       <a:cs typeface="Microsoft YaHei" charset="-122"/>
@@ -4264,7 +4236,7 @@
                 <a:p>
                   <a:pPr algn="ctr"/>
                   <a:r>
-                    <a:rPr kumimoji="1" lang="en-US" altLang="zh-CN" dirty="0" smtClean="0">
+                    <a:rPr kumimoji="1" lang="en-US" altLang="zh-CN" dirty="0">
                       <a:latin typeface="Microsoft YaHei" charset="-122"/>
                       <a:ea typeface="Microsoft YaHei" charset="-122"/>
                       <a:cs typeface="Microsoft YaHei" charset="-122"/>
@@ -4389,7 +4361,7 @@
             <a:lstStyle/>
             <a:p>
               <a:r>
-                <a:rPr kumimoji="1" lang="en-US" altLang="zh-CN" dirty="0" smtClean="0">
+                <a:rPr kumimoji="1" lang="en-US" altLang="zh-CN" dirty="0">
                   <a:latin typeface="Microsoft YaHei" charset="-122"/>
                   <a:ea typeface="Microsoft YaHei" charset="-122"/>
                   <a:cs typeface="Microsoft YaHei" charset="-122"/>
@@ -4397,7 +4369,7 @@
                 <a:t>Go</a:t>
               </a:r>
               <a:r>
-                <a:rPr kumimoji="1" lang="zh-CN" altLang="en-US" dirty="0" smtClean="0">
+                <a:rPr kumimoji="1" lang="zh-CN" altLang="en-US" dirty="0">
                   <a:latin typeface="Microsoft YaHei" charset="-122"/>
                   <a:ea typeface="Microsoft YaHei" charset="-122"/>
                   <a:cs typeface="Microsoft YaHei" charset="-122"/>
@@ -4405,7 +4377,7 @@
                 <a:t> </a:t>
               </a:r>
               <a:r>
-                <a:rPr kumimoji="1" lang="en-US" altLang="zh-CN" dirty="0" smtClean="0">
+                <a:rPr kumimoji="1" lang="en-US" altLang="zh-CN" dirty="0">
                   <a:latin typeface="Microsoft YaHei" charset="-122"/>
                   <a:ea typeface="Microsoft YaHei" charset="-122"/>
                   <a:cs typeface="Microsoft YaHei" charset="-122"/>
@@ -4413,7 +4385,7 @@
                 <a:t>through</a:t>
               </a:r>
               <a:r>
-                <a:rPr kumimoji="1" lang="zh-CN" altLang="en-US" dirty="0" smtClean="0">
+                <a:rPr kumimoji="1" lang="zh-CN" altLang="en-US" dirty="0">
                   <a:latin typeface="Microsoft YaHei" charset="-122"/>
                   <a:ea typeface="Microsoft YaHei" charset="-122"/>
                   <a:cs typeface="Microsoft YaHei" charset="-122"/>
@@ -4421,7 +4393,7 @@
                 <a:t> </a:t>
               </a:r>
               <a:r>
-                <a:rPr kumimoji="1" lang="en-US" altLang="zh-CN" dirty="0" smtClean="0">
+                <a:rPr kumimoji="1" lang="en-US" altLang="zh-CN" dirty="0">
                   <a:latin typeface="Microsoft YaHei" charset="-122"/>
                   <a:ea typeface="Microsoft YaHei" charset="-122"/>
                   <a:cs typeface="Microsoft YaHei" charset="-122"/>
@@ -4429,7 +4401,7 @@
                 <a:t>direct</a:t>
               </a:r>
               <a:r>
-                <a:rPr kumimoji="1" lang="zh-CN" altLang="en-US" dirty="0" smtClean="0">
+                <a:rPr kumimoji="1" lang="zh-CN" altLang="en-US" dirty="0">
                   <a:latin typeface="Microsoft YaHei" charset="-122"/>
                   <a:ea typeface="Microsoft YaHei" charset="-122"/>
                   <a:cs typeface="Microsoft YaHei" charset="-122"/>
@@ -4437,7 +4409,7 @@
                 <a:t> </a:t>
               </a:r>
               <a:r>
-                <a:rPr kumimoji="1" lang="en-US" altLang="zh-CN" dirty="0" smtClean="0">
+                <a:rPr kumimoji="1" lang="en-US" altLang="zh-CN" dirty="0">
                   <a:latin typeface="Microsoft YaHei" charset="-122"/>
                   <a:ea typeface="Microsoft YaHei" charset="-122"/>
                   <a:cs typeface="Microsoft YaHei" charset="-122"/>
@@ -4508,7 +4480,7 @@
             <a:lstStyle/>
             <a:p>
               <a:r>
-                <a:rPr kumimoji="1" lang="en-US" altLang="zh-CN" dirty="0" smtClean="0">
+                <a:rPr kumimoji="1" lang="en-US" altLang="zh-CN" dirty="0">
                   <a:latin typeface="Microsoft YaHei" charset="-122"/>
                   <a:ea typeface="Microsoft YaHei" charset="-122"/>
                   <a:cs typeface="Microsoft YaHei" charset="-122"/>
@@ -4516,7 +4488,7 @@
                 <a:t>Go</a:t>
               </a:r>
               <a:r>
-                <a:rPr kumimoji="1" lang="zh-CN" altLang="en-US" dirty="0" smtClean="0">
+                <a:rPr kumimoji="1" lang="zh-CN" altLang="en-US" dirty="0">
                   <a:latin typeface="Microsoft YaHei" charset="-122"/>
                   <a:ea typeface="Microsoft YaHei" charset="-122"/>
                   <a:cs typeface="Microsoft YaHei" charset="-122"/>
@@ -4524,7 +4496,7 @@
                 <a:t> </a:t>
               </a:r>
               <a:r>
-                <a:rPr kumimoji="1" lang="en-US" altLang="zh-CN" dirty="0" smtClean="0">
+                <a:rPr kumimoji="1" lang="en-US" altLang="zh-CN" dirty="0">
                   <a:latin typeface="Microsoft YaHei" charset="-122"/>
                   <a:ea typeface="Microsoft YaHei" charset="-122"/>
                   <a:cs typeface="Microsoft YaHei" charset="-122"/>
@@ -4532,7 +4504,7 @@
                 <a:t>through</a:t>
               </a:r>
               <a:r>
-                <a:rPr kumimoji="1" lang="zh-CN" altLang="en-US" dirty="0" smtClean="0">
+                <a:rPr kumimoji="1" lang="zh-CN" altLang="en-US" dirty="0">
                   <a:latin typeface="Microsoft YaHei" charset="-122"/>
                   <a:ea typeface="Microsoft YaHei" charset="-122"/>
                   <a:cs typeface="Microsoft YaHei" charset="-122"/>
@@ -4572,7 +4544,7 @@
                 <a:t> </a:t>
               </a:r>
               <a:r>
-                <a:rPr kumimoji="1" lang="en-US" altLang="zh-CN" dirty="0" smtClean="0">
+                <a:rPr kumimoji="1" lang="en-US" altLang="zh-CN" dirty="0">
                   <a:latin typeface="Microsoft YaHei" charset="-122"/>
                   <a:ea typeface="Microsoft YaHei" charset="-122"/>
                   <a:cs typeface="Microsoft YaHei" charset="-122"/>
@@ -4580,18 +4552,13 @@
                 <a:t>path</a:t>
               </a:r>
               <a:r>
-                <a:rPr kumimoji="1" lang="zh-CN" altLang="en-US" dirty="0" smtClean="0">
+                <a:rPr kumimoji="1" lang="zh-CN" altLang="en-US" dirty="0">
                   <a:latin typeface="Microsoft YaHei" charset="-122"/>
                   <a:ea typeface="Microsoft YaHei" charset="-122"/>
                   <a:cs typeface="Microsoft YaHei" charset="-122"/>
                 </a:rPr>
                 <a:t> </a:t>
               </a:r>
-              <a:endParaRPr kumimoji="1" lang="zh-CN" altLang="en-US" dirty="0">
-                <a:latin typeface="Microsoft YaHei" charset="-122"/>
-                <a:ea typeface="Microsoft YaHei" charset="-122"/>
-                <a:cs typeface="Microsoft YaHei" charset="-122"/>
-              </a:endParaRPr>
             </a:p>
           </p:txBody>
         </p:sp>
@@ -4631,7 +4598,7 @@
             <a:p>
               <a:pPr algn="ctr"/>
               <a:r>
-                <a:rPr kumimoji="1" lang="en-US" altLang="zh-CN" dirty="0" smtClean="0">
+                <a:rPr kumimoji="1" lang="en-US" altLang="zh-CN" dirty="0">
                   <a:latin typeface="Microsoft YaHei" charset="-122"/>
                   <a:ea typeface="Microsoft YaHei" charset="-122"/>
                   <a:cs typeface="Microsoft YaHei" charset="-122"/>
@@ -4642,7 +4609,7 @@
             <a:p>
               <a:pPr algn="ctr"/>
               <a:r>
-                <a:rPr kumimoji="1" lang="en-US" altLang="zh-CN" dirty="0" smtClean="0">
+                <a:rPr kumimoji="1" lang="en-US" altLang="zh-CN" dirty="0">
                   <a:latin typeface="Microsoft YaHei" charset="-122"/>
                   <a:ea typeface="Microsoft YaHei" charset="-122"/>
                   <a:cs typeface="Microsoft YaHei" charset="-122"/>
@@ -4757,7 +4724,7 @@
             <a:p>
               <a:pPr algn="ctr"/>
               <a:r>
-                <a:rPr kumimoji="1" lang="en-US" altLang="zh-CN" dirty="0" smtClean="0">
+                <a:rPr kumimoji="1" lang="en-US" altLang="zh-CN" dirty="0">
                   <a:latin typeface="Microsoft YaHei" charset="-122"/>
                   <a:ea typeface="Microsoft YaHei" charset="-122"/>
                   <a:cs typeface="Microsoft YaHei" charset="-122"/>
@@ -4765,7 +4732,7 @@
                 <a:t>Multiple</a:t>
               </a:r>
               <a:r>
-                <a:rPr kumimoji="1" lang="zh-CN" altLang="en-US" dirty="0" smtClean="0">
+                <a:rPr kumimoji="1" lang="zh-CN" altLang="en-US" dirty="0">
                   <a:latin typeface="Microsoft YaHei" charset="-122"/>
                   <a:ea typeface="Microsoft YaHei" charset="-122"/>
                   <a:cs typeface="Microsoft YaHei" charset="-122"/>
@@ -4773,7 +4740,7 @@
                 <a:t> </a:t>
               </a:r>
               <a:r>
-                <a:rPr kumimoji="1" lang="en-US" altLang="zh-CN" dirty="0" smtClean="0">
+                <a:rPr kumimoji="1" lang="en-US" altLang="zh-CN" dirty="0">
                   <a:latin typeface="Microsoft YaHei" charset="-122"/>
                   <a:ea typeface="Microsoft YaHei" charset="-122"/>
                   <a:cs typeface="Microsoft YaHei" charset="-122"/>
@@ -4781,7 +4748,7 @@
                 <a:t>Flow</a:t>
               </a:r>
               <a:r>
-                <a:rPr kumimoji="1" lang="zh-CN" altLang="en-US" dirty="0" smtClean="0">
+                <a:rPr kumimoji="1" lang="zh-CN" altLang="en-US" dirty="0">
                   <a:latin typeface="Microsoft YaHei" charset="-122"/>
                   <a:ea typeface="Microsoft YaHei" charset="-122"/>
                   <a:cs typeface="Microsoft YaHei" charset="-122"/>
@@ -4789,7 +4756,7 @@
                 <a:t> </a:t>
               </a:r>
               <a:r>
-                <a:rPr kumimoji="1" lang="en-US" altLang="zh-CN" dirty="0" smtClean="0">
+                <a:rPr kumimoji="1" lang="en-US" altLang="zh-CN" dirty="0">
                   <a:latin typeface="Microsoft YaHei" charset="-122"/>
                   <a:ea typeface="Microsoft YaHei" charset="-122"/>
                   <a:cs typeface="Microsoft YaHei" charset="-122"/>
@@ -4797,7 +4764,7 @@
                 <a:t>Table</a:t>
               </a:r>
               <a:r>
-                <a:rPr kumimoji="1" lang="zh-CN" altLang="en-US" dirty="0" smtClean="0">
+                <a:rPr kumimoji="1" lang="zh-CN" altLang="en-US" dirty="0">
                   <a:latin typeface="Microsoft YaHei" charset="-122"/>
                   <a:ea typeface="Microsoft YaHei" charset="-122"/>
                   <a:cs typeface="Microsoft YaHei" charset="-122"/>
@@ -4805,7 +4772,7 @@
                 <a:t> </a:t>
               </a:r>
               <a:r>
-                <a:rPr kumimoji="1" lang="en-US" altLang="zh-CN" dirty="0" smtClean="0">
+                <a:rPr kumimoji="1" lang="en-US" altLang="zh-CN" dirty="0">
                   <a:latin typeface="Microsoft YaHei" charset="-122"/>
                   <a:ea typeface="Microsoft YaHei" charset="-122"/>
                   <a:cs typeface="Microsoft YaHei" charset="-122"/>
@@ -4813,7 +4780,7 @@
                 <a:t>(MFT)</a:t>
               </a:r>
               <a:r>
-                <a:rPr kumimoji="1" lang="zh-CN" altLang="en-US" dirty="0" smtClean="0">
+                <a:rPr kumimoji="1" lang="zh-CN" altLang="en-US" dirty="0">
                   <a:latin typeface="Microsoft YaHei" charset="-122"/>
                   <a:ea typeface="Microsoft YaHei" charset="-122"/>
                   <a:cs typeface="Microsoft YaHei" charset="-122"/>
@@ -4821,7 +4788,7 @@
                 <a:t> </a:t>
               </a:r>
               <a:r>
-                <a:rPr kumimoji="1" lang="en-US" altLang="zh-CN" dirty="0" smtClean="0">
+                <a:rPr kumimoji="1" lang="en-US" altLang="zh-CN" dirty="0">
                   <a:latin typeface="Microsoft YaHei" charset="-122"/>
                   <a:ea typeface="Microsoft YaHei" charset="-122"/>
                   <a:cs typeface="Microsoft YaHei" charset="-122"/>
@@ -4837,6 +4804,2014 @@
     <p:extLst>
       <p:ext uri="{BB962C8B-B14F-4D97-AF65-F5344CB8AC3E}">
         <p14:creationId xmlns:p14="http://schemas.microsoft.com/office/powerpoint/2010/main" val="1605003372"/>
+      </p:ext>
+    </p:extLst>
+  </p:cSld>
+  <p:clrMapOvr>
+    <a:masterClrMapping/>
+  </p:clrMapOvr>
+</p:sld>
+</file>
+
+<file path=ppt/slides/slide2.xml><?xml version="1.0" encoding="utf-8"?>
+<p:sld xmlns:a="http://schemas.openxmlformats.org/drawingml/2006/main" xmlns:r="http://schemas.openxmlformats.org/officeDocument/2006/relationships" xmlns:p="http://schemas.openxmlformats.org/presentationml/2006/main">
+  <p:cSld>
+    <p:spTree>
+      <p:nvGrpSpPr>
+        <p:cNvPr id="1" name=""/>
+        <p:cNvGrpSpPr/>
+        <p:nvPr/>
+      </p:nvGrpSpPr>
+      <p:grpSpPr>
+        <a:xfrm>
+          <a:off x="0" y="0"/>
+          <a:ext cx="0" cy="0"/>
+          <a:chOff x="0" y="0"/>
+          <a:chExt cx="0" cy="0"/>
+        </a:xfrm>
+      </p:grpSpPr>
+      <p:grpSp>
+        <p:nvGrpSpPr>
+          <p:cNvPr id="30" name="组 29"/>
+          <p:cNvGrpSpPr/>
+          <p:nvPr/>
+        </p:nvGrpSpPr>
+        <p:grpSpPr>
+          <a:xfrm>
+            <a:off x="0" y="596386"/>
+            <a:ext cx="10874139" cy="3277614"/>
+            <a:chOff x="770868" y="389181"/>
+            <a:chExt cx="10874139" cy="3277614"/>
+          </a:xfrm>
+        </p:grpSpPr>
+        <mc:AlternateContent xmlns:mc="http://schemas.openxmlformats.org/markup-compatibility/2006" xmlns:a14="http://schemas.microsoft.com/office/drawing/2010/main">
+          <mc:Choice Requires="a14">
+            <p:sp>
+              <p:nvSpPr>
+                <p:cNvPr id="4" name="矩形 3"/>
+                <p:cNvSpPr/>
+                <p:nvPr/>
+              </p:nvSpPr>
+              <p:spPr>
+                <a:xfrm>
+                  <a:off x="1866659" y="1451183"/>
+                  <a:ext cx="1134575" cy="2133600"/>
+                </a:xfrm>
+                <a:prstGeom prst="rect">
+                  <a:avLst/>
+                </a:prstGeom>
+                <a:ln w="25400"/>
+              </p:spPr>
+              <p:style>
+                <a:lnRef idx="2">
+                  <a:schemeClr val="dk1"/>
+                </a:lnRef>
+                <a:fillRef idx="1">
+                  <a:schemeClr val="lt1"/>
+                </a:fillRef>
+                <a:effectRef idx="0">
+                  <a:schemeClr val="dk1"/>
+                </a:effectRef>
+                <a:fontRef idx="minor">
+                  <a:schemeClr val="dk1"/>
+                </a:fontRef>
+              </p:style>
+              <p:txBody>
+                <a:bodyPr rtlCol="0" anchor="ctr"/>
+                <a:lstStyle/>
+                <a:p>
+                  <a:pPr algn="ctr"/>
+                  <a:r>
+                    <a:rPr kumimoji="1" lang="en-US" altLang="zh-CN" dirty="0">
+                      <a:latin typeface="Microsoft YaHei" charset="-122"/>
+                      <a:ea typeface="Microsoft YaHei" charset="-122"/>
+                      <a:cs typeface="Microsoft YaHei" charset="-122"/>
+                    </a:rPr>
+                    <a:t>DSCP=</a:t>
+                  </a:r>
+                  <a14:m>
+                    <m:oMath xmlns:m="http://schemas.openxmlformats.org/officeDocument/2006/math">
+                      <m:r>
+                        <a:rPr kumimoji="1" lang="en-US" altLang="zh-CN" b="0" i="1" smtClean="0">
+                          <a:latin typeface="Cambria Math" charset="0"/>
+                          <a:ea typeface="Microsoft YaHei" charset="-122"/>
+                          <a:cs typeface="Microsoft YaHei" charset="-122"/>
+                        </a:rPr>
+                        <m:t>𝑥</m:t>
+                      </m:r>
+                    </m:oMath>
+                  </a14:m>
+                  <a:endParaRPr kumimoji="1" lang="zh-CN" altLang="en-US" dirty="0">
+                    <a:latin typeface="Microsoft YaHei" charset="-122"/>
+                    <a:ea typeface="Microsoft YaHei" charset="-122"/>
+                    <a:cs typeface="Microsoft YaHei" charset="-122"/>
+                  </a:endParaRPr>
+                </a:p>
+              </p:txBody>
+            </p:sp>
+          </mc:Choice>
+          <mc:Fallback xmlns="">
+            <p:sp>
+              <p:nvSpPr>
+                <p:cNvPr id="4" name="矩形 3"/>
+                <p:cNvSpPr>
+                  <a:spLocks noRot="1" noChangeAspect="1" noMove="1" noResize="1" noEditPoints="1" noAdjustHandles="1" noChangeArrowheads="1" noChangeShapeType="1" noTextEdit="1"/>
+                </p:cNvSpPr>
+                <p:nvPr/>
+              </p:nvSpPr>
+              <p:spPr>
+                <a:xfrm>
+                  <a:off x="1866659" y="1451183"/>
+                  <a:ext cx="1134575" cy="2133600"/>
+                </a:xfrm>
+                <a:prstGeom prst="rect">
+                  <a:avLst/>
+                </a:prstGeom>
+                <a:blipFill rotWithShape="0">
+                  <a:blip r:embed="rId2"/>
+                  <a:stretch>
+                    <a:fillRect l="-1053"/>
+                  </a:stretch>
+                </a:blipFill>
+                <a:ln w="25400"/>
+              </p:spPr>
+              <p:txBody>
+                <a:bodyPr/>
+                <a:lstStyle/>
+                <a:p>
+                  <a:r>
+                    <a:rPr lang="zh-CN" altLang="en-US">
+                      <a:noFill/>
+                    </a:rPr>
+                    <a:t> </a:t>
+                  </a:r>
+                </a:p>
+              </p:txBody>
+            </p:sp>
+          </mc:Fallback>
+        </mc:AlternateContent>
+        <p:cxnSp>
+          <p:nvCxnSpPr>
+            <p:cNvPr id="5" name="直线箭头连接符 4"/>
+            <p:cNvCxnSpPr/>
+            <p:nvPr/>
+          </p:nvCxnSpPr>
+          <p:spPr>
+            <a:xfrm flipH="1">
+              <a:off x="1666214" y="1451183"/>
+              <a:ext cx="12700" cy="2133600"/>
+            </a:xfrm>
+            <a:prstGeom prst="straightConnector1">
+              <a:avLst/>
+            </a:prstGeom>
+            <a:ln w="25400">
+              <a:headEnd type="triangle"/>
+              <a:tailEnd type="triangle"/>
+            </a:ln>
+          </p:spPr>
+          <p:style>
+            <a:lnRef idx="1">
+              <a:schemeClr val="dk1"/>
+            </a:lnRef>
+            <a:fillRef idx="0">
+              <a:schemeClr val="dk1"/>
+            </a:fillRef>
+            <a:effectRef idx="0">
+              <a:schemeClr val="dk1"/>
+            </a:effectRef>
+            <a:fontRef idx="minor">
+              <a:schemeClr val="tx1"/>
+            </a:fontRef>
+          </p:style>
+        </p:cxnSp>
+        <p:sp>
+          <p:nvSpPr>
+            <p:cNvPr id="6" name="文本框 5"/>
+            <p:cNvSpPr txBox="1"/>
+            <p:nvPr/>
+          </p:nvSpPr>
+          <p:spPr>
+            <a:xfrm>
+              <a:off x="887875" y="1081851"/>
+              <a:ext cx="2028221" cy="369332"/>
+            </a:xfrm>
+            <a:prstGeom prst="rect">
+              <a:avLst/>
+            </a:prstGeom>
+            <a:noFill/>
+          </p:spPr>
+          <p:txBody>
+            <a:bodyPr wrap="square" rtlCol="0">
+              <a:spAutoFit/>
+            </a:bodyPr>
+            <a:lstStyle/>
+            <a:p>
+              <a:r>
+                <a:rPr kumimoji="1" lang="en-US" altLang="zh-CN" dirty="0">
+                  <a:latin typeface="Microsoft YaHei" charset="-122"/>
+                  <a:ea typeface="Microsoft YaHei" charset="-122"/>
+                  <a:cs typeface="Microsoft YaHei" charset="-122"/>
+                </a:rPr>
+                <a:t>Rate(Mbps)</a:t>
+              </a:r>
+              <a:endParaRPr kumimoji="1" lang="zh-CN" altLang="en-US" dirty="0">
+                <a:latin typeface="Microsoft YaHei" charset="-122"/>
+                <a:ea typeface="Microsoft YaHei" charset="-122"/>
+                <a:cs typeface="Microsoft YaHei" charset="-122"/>
+              </a:endParaRPr>
+            </a:p>
+          </p:txBody>
+        </p:sp>
+        <p:sp>
+          <p:nvSpPr>
+            <p:cNvPr id="7" name="矩形 6"/>
+            <p:cNvSpPr/>
+            <p:nvPr/>
+          </p:nvSpPr>
+          <p:spPr>
+            <a:xfrm>
+              <a:off x="770868" y="2172618"/>
+              <a:ext cx="806631" cy="369332"/>
+            </a:xfrm>
+            <a:prstGeom prst="rect">
+              <a:avLst/>
+            </a:prstGeom>
+          </p:spPr>
+          <p:txBody>
+            <a:bodyPr wrap="none">
+              <a:spAutoFit/>
+            </a:bodyPr>
+            <a:lstStyle/>
+            <a:p>
+              <a:r>
+                <a:rPr kumimoji="1" lang="en-US" altLang="zh-CN">
+                  <a:latin typeface="Microsoft YaHei" charset="-122"/>
+                  <a:ea typeface="Microsoft YaHei" charset="-122"/>
+                  <a:cs typeface="Microsoft YaHei" charset="-122"/>
+                </a:rPr>
+                <a:t>Flows</a:t>
+              </a:r>
+              <a:endParaRPr kumimoji="1" lang="en-US" altLang="zh-CN" dirty="0">
+                <a:latin typeface="Microsoft YaHei" charset="-122"/>
+                <a:ea typeface="Microsoft YaHei" charset="-122"/>
+                <a:cs typeface="Microsoft YaHei" charset="-122"/>
+              </a:endParaRPr>
+            </a:p>
+          </p:txBody>
+        </p:sp>
+        <mc:AlternateContent xmlns:mc="http://schemas.openxmlformats.org/markup-compatibility/2006" xmlns:a14="http://schemas.microsoft.com/office/drawing/2010/main">
+          <mc:Choice Requires="a14">
+            <p:sp>
+              <p:nvSpPr>
+                <p:cNvPr id="8" name="矩形 7"/>
+                <p:cNvSpPr/>
+                <p:nvPr/>
+              </p:nvSpPr>
+              <p:spPr>
+                <a:xfrm>
+                  <a:off x="3504307" y="1443263"/>
+                  <a:ext cx="1311159" cy="2134632"/>
+                </a:xfrm>
+                <a:prstGeom prst="rect">
+                  <a:avLst/>
+                </a:prstGeom>
+                <a:ln w="25400"/>
+              </p:spPr>
+              <p:style>
+                <a:lnRef idx="2">
+                  <a:schemeClr val="dk1"/>
+                </a:lnRef>
+                <a:fillRef idx="1">
+                  <a:schemeClr val="lt1"/>
+                </a:fillRef>
+                <a:effectRef idx="0">
+                  <a:schemeClr val="dk1"/>
+                </a:effectRef>
+                <a:fontRef idx="minor">
+                  <a:schemeClr val="dk1"/>
+                </a:fontRef>
+              </p:style>
+              <p:txBody>
+                <a:bodyPr vert="horz" rtlCol="0" anchor="ctr"/>
+                <a:lstStyle/>
+                <a:p>
+                  <a:pPr algn="ctr"/>
+                  <a:r>
+                    <a:rPr kumimoji="1" lang="en-US" altLang="zh-CN" dirty="0">
+                      <a:latin typeface="Microsoft YaHei" charset="-122"/>
+                      <a:ea typeface="Microsoft YaHei" charset="-122"/>
+                      <a:cs typeface="Microsoft YaHei" charset="-122"/>
+                    </a:rPr>
+                    <a:t>Meter</a:t>
+                  </a:r>
+                  <a:r>
+                    <a:rPr kumimoji="1" lang="zh-CN" altLang="en-US" dirty="0">
+                      <a:latin typeface="Microsoft YaHei" charset="-122"/>
+                      <a:ea typeface="Microsoft YaHei" charset="-122"/>
+                      <a:cs typeface="Microsoft YaHei" charset="-122"/>
+                    </a:rPr>
+                    <a:t> </a:t>
+                  </a:r>
+                  <a:r>
+                    <a:rPr kumimoji="1" lang="en-US" altLang="zh-CN" dirty="0">
+                      <a:latin typeface="Microsoft YaHei" charset="-122"/>
+                      <a:ea typeface="Microsoft YaHei" charset="-122"/>
+                      <a:cs typeface="Microsoft YaHei" charset="-122"/>
+                    </a:rPr>
+                    <a:t>Table</a:t>
+                  </a:r>
+                  <a:r>
+                    <a:rPr kumimoji="1" lang="zh-CN" altLang="en-US" dirty="0">
+                      <a:latin typeface="Microsoft YaHei" charset="-122"/>
+                      <a:ea typeface="Microsoft YaHei" charset="-122"/>
+                      <a:cs typeface="Microsoft YaHei" charset="-122"/>
+                    </a:rPr>
+                    <a:t> </a:t>
+                  </a:r>
+                  <a:endParaRPr kumimoji="1" lang="en-US" altLang="zh-CN" dirty="0">
+                    <a:latin typeface="Microsoft YaHei" charset="-122"/>
+                    <a:ea typeface="Microsoft YaHei" charset="-122"/>
+                    <a:cs typeface="Microsoft YaHei" charset="-122"/>
+                  </a:endParaRPr>
+                </a:p>
+                <a:p>
+                  <a:pPr algn="ctr"/>
+                  <a:r>
+                    <a:rPr kumimoji="1" lang="en-US" altLang="zh-CN" dirty="0">
+                      <a:latin typeface="Microsoft YaHei" charset="-122"/>
+                      <a:ea typeface="Microsoft YaHei" charset="-122"/>
+                      <a:cs typeface="Microsoft YaHei" charset="-122"/>
+                    </a:rPr>
+                    <a:t>DSCP</a:t>
+                  </a:r>
+                </a:p>
+                <a:p>
+                  <a:pPr algn="ctr"/>
+                  <a:r>
+                    <a:rPr kumimoji="1" lang="en-US" altLang="zh-CN" dirty="0">
+                      <a:latin typeface="Microsoft YaHei" charset="-122"/>
+                      <a:ea typeface="Microsoft YaHei" charset="-122"/>
+                      <a:cs typeface="Microsoft YaHei" charset="-122"/>
+                    </a:rPr>
+                    <a:t>Remark</a:t>
+                  </a:r>
+                </a:p>
+                <a:p>
+                  <a:pPr algn="ctr"/>
+                  <a:r>
+                    <a:rPr kumimoji="1" lang="en-US" altLang="zh-CN" dirty="0">
+                      <a:latin typeface="Microsoft YaHei" charset="-122"/>
+                      <a:ea typeface="Microsoft YaHei" charset="-122"/>
+                      <a:cs typeface="Microsoft YaHei" charset="-122"/>
+                    </a:rPr>
+                    <a:t>Threshold</a:t>
+                  </a:r>
+                  <a:r>
+                    <a:rPr kumimoji="1" lang="zh-CN" altLang="en-US" dirty="0">
+                      <a:latin typeface="Microsoft YaHei" charset="-122"/>
+                      <a:ea typeface="Microsoft YaHei" charset="-122"/>
+                      <a:cs typeface="Microsoft YaHei" charset="-122"/>
+                    </a:rPr>
+                    <a:t> </a:t>
+                  </a:r>
+                  <a14:m>
+                    <m:oMath xmlns:m="http://schemas.openxmlformats.org/officeDocument/2006/math">
+                      <m:r>
+                        <a:rPr kumimoji="1" lang="en-US" altLang="zh-CN" i="1" dirty="0">
+                          <a:latin typeface="Cambria Math" charset="0"/>
+                          <a:ea typeface="Microsoft YaHei" charset="-122"/>
+                          <a:cs typeface="Microsoft YaHei" charset="-122"/>
+                        </a:rPr>
+                        <m:t>𝑝</m:t>
+                      </m:r>
+                    </m:oMath>
+                  </a14:m>
+                  <a:endParaRPr lang="zh-CN" altLang="en-US" i="1" dirty="0"/>
+                </a:p>
+              </p:txBody>
+            </p:sp>
+          </mc:Choice>
+          <mc:Fallback xmlns="">
+            <p:sp>
+              <p:nvSpPr>
+                <p:cNvPr id="8" name="矩形 7"/>
+                <p:cNvSpPr>
+                  <a:spLocks noRot="1" noChangeAspect="1" noMove="1" noResize="1" noEditPoints="1" noAdjustHandles="1" noChangeArrowheads="1" noChangeShapeType="1" noTextEdit="1"/>
+                </p:cNvSpPr>
+                <p:nvPr/>
+              </p:nvSpPr>
+              <p:spPr>
+                <a:xfrm>
+                  <a:off x="3504307" y="1443263"/>
+                  <a:ext cx="1311159" cy="2134632"/>
+                </a:xfrm>
+                <a:prstGeom prst="rect">
+                  <a:avLst/>
+                </a:prstGeom>
+                <a:blipFill rotWithShape="0">
+                  <a:blip r:embed="rId3"/>
+                  <a:stretch>
+                    <a:fillRect l="-1826" r="-1826"/>
+                  </a:stretch>
+                </a:blipFill>
+                <a:ln w="25400"/>
+              </p:spPr>
+              <p:txBody>
+                <a:bodyPr/>
+                <a:lstStyle/>
+                <a:p>
+                  <a:r>
+                    <a:rPr lang="zh-CN" altLang="en-US">
+                      <a:noFill/>
+                    </a:rPr>
+                    <a:t> </a:t>
+                  </a:r>
+                </a:p>
+              </p:txBody>
+            </p:sp>
+          </mc:Fallback>
+        </mc:AlternateContent>
+        <p:cxnSp>
+          <p:nvCxnSpPr>
+            <p:cNvPr id="9" name="直线连接符 8"/>
+            <p:cNvCxnSpPr>
+              <a:stCxn id="4" idx="3"/>
+              <a:endCxn id="8" idx="1"/>
+            </p:cNvCxnSpPr>
+            <p:nvPr/>
+          </p:nvCxnSpPr>
+          <p:spPr>
+            <a:xfrm flipV="1">
+              <a:off x="3001234" y="2510579"/>
+              <a:ext cx="503073" cy="7404"/>
+            </a:xfrm>
+            <a:prstGeom prst="line">
+              <a:avLst/>
+            </a:prstGeom>
+            <a:ln w="25400"/>
+          </p:spPr>
+          <p:style>
+            <a:lnRef idx="1">
+              <a:schemeClr val="dk1"/>
+            </a:lnRef>
+            <a:fillRef idx="0">
+              <a:schemeClr val="dk1"/>
+            </a:fillRef>
+            <a:effectRef idx="0">
+              <a:schemeClr val="dk1"/>
+            </a:effectRef>
+            <a:fontRef idx="minor">
+              <a:schemeClr val="tx1"/>
+            </a:fontRef>
+          </p:style>
+        </p:cxnSp>
+        <p:sp>
+          <p:nvSpPr>
+            <p:cNvPr id="10" name="左大括号 9"/>
+            <p:cNvSpPr/>
+            <p:nvPr/>
+          </p:nvSpPr>
+          <p:spPr>
+            <a:xfrm>
+              <a:off x="4902726" y="1444295"/>
+              <a:ext cx="369940" cy="2133600"/>
+            </a:xfrm>
+            <a:prstGeom prst="leftBrace">
+              <a:avLst/>
+            </a:prstGeom>
+            <a:ln w="25400">
+              <a:solidFill>
+                <a:schemeClr val="tx1"/>
+              </a:solidFill>
+            </a:ln>
+          </p:spPr>
+          <p:style>
+            <a:lnRef idx="1">
+              <a:schemeClr val="accent1"/>
+            </a:lnRef>
+            <a:fillRef idx="0">
+              <a:schemeClr val="accent1"/>
+            </a:fillRef>
+            <a:effectRef idx="0">
+              <a:schemeClr val="accent1"/>
+            </a:effectRef>
+            <a:fontRef idx="minor">
+              <a:schemeClr val="tx1"/>
+            </a:fontRef>
+          </p:style>
+          <p:txBody>
+            <a:bodyPr rtlCol="0" anchor="ctr"/>
+            <a:lstStyle/>
+            <a:p>
+              <a:pPr algn="ctr"/>
+              <a:endParaRPr kumimoji="1" lang="zh-CN" altLang="en-US"/>
+            </a:p>
+          </p:txBody>
+        </p:sp>
+        <p:cxnSp>
+          <p:nvCxnSpPr>
+            <p:cNvPr id="11" name="直线箭头连接符 10"/>
+            <p:cNvCxnSpPr/>
+            <p:nvPr/>
+          </p:nvCxnSpPr>
+          <p:spPr>
+            <a:xfrm flipH="1">
+              <a:off x="5450095" y="1443263"/>
+              <a:ext cx="6350" cy="441841"/>
+            </a:xfrm>
+            <a:prstGeom prst="straightConnector1">
+              <a:avLst/>
+            </a:prstGeom>
+            <a:ln w="25400">
+              <a:headEnd type="triangle"/>
+              <a:tailEnd type="triangle"/>
+            </a:ln>
+          </p:spPr>
+          <p:style>
+            <a:lnRef idx="1">
+              <a:schemeClr val="dk1"/>
+            </a:lnRef>
+            <a:fillRef idx="0">
+              <a:schemeClr val="dk1"/>
+            </a:fillRef>
+            <a:effectRef idx="0">
+              <a:schemeClr val="dk1"/>
+            </a:effectRef>
+            <a:fontRef idx="minor">
+              <a:schemeClr val="tx1"/>
+            </a:fontRef>
+          </p:style>
+        </p:cxnSp>
+        <p:cxnSp>
+          <p:nvCxnSpPr>
+            <p:cNvPr id="12" name="直线箭头连接符 11"/>
+            <p:cNvCxnSpPr/>
+            <p:nvPr/>
+          </p:nvCxnSpPr>
+          <p:spPr>
+            <a:xfrm>
+              <a:off x="5450095" y="1885104"/>
+              <a:ext cx="0" cy="1781691"/>
+            </a:xfrm>
+            <a:prstGeom prst="straightConnector1">
+              <a:avLst/>
+            </a:prstGeom>
+            <a:ln w="25400">
+              <a:headEnd type="triangle"/>
+              <a:tailEnd type="triangle"/>
+            </a:ln>
+          </p:spPr>
+          <p:style>
+            <a:lnRef idx="1">
+              <a:schemeClr val="dk1"/>
+            </a:lnRef>
+            <a:fillRef idx="0">
+              <a:schemeClr val="dk1"/>
+            </a:fillRef>
+            <a:effectRef idx="0">
+              <a:schemeClr val="dk1"/>
+            </a:effectRef>
+            <a:fontRef idx="minor">
+              <a:schemeClr val="tx1"/>
+            </a:fontRef>
+          </p:style>
+        </p:cxnSp>
+        <mc:AlternateContent xmlns:mc="http://schemas.openxmlformats.org/markup-compatibility/2006" xmlns:a14="http://schemas.microsoft.com/office/drawing/2010/main">
+          <mc:Choice Requires="a14">
+            <p:sp>
+              <p:nvSpPr>
+                <p:cNvPr id="13" name="矩形 12"/>
+                <p:cNvSpPr/>
+                <p:nvPr/>
+              </p:nvSpPr>
+              <p:spPr>
+                <a:xfrm>
+                  <a:off x="5019516" y="1476520"/>
+                  <a:ext cx="487249" cy="646331"/>
+                </a:xfrm>
+                <a:prstGeom prst="rect">
+                  <a:avLst/>
+                </a:prstGeom>
+              </p:spPr>
+              <p:txBody>
+                <a:bodyPr wrap="none">
+                  <a:spAutoFit/>
+                </a:bodyPr>
+                <a:lstStyle/>
+                <a:p>
+                  <a:r>
+                    <a:rPr kumimoji="1" lang="en-US" altLang="zh-CN">
+                      <a:latin typeface="Microsoft YaHei" charset="-122"/>
+                      <a:ea typeface="Microsoft YaHei" charset="-122"/>
+                      <a:cs typeface="Microsoft YaHei" charset="-122"/>
+                    </a:rPr>
+                    <a:t>&gt;</a:t>
+                  </a:r>
+                  <a14:m>
+                    <m:oMath xmlns:m="http://schemas.openxmlformats.org/officeDocument/2006/math">
+                      <m:r>
+                        <a:rPr kumimoji="1" lang="en-US" altLang="zh-CN" i="1" dirty="0">
+                          <a:latin typeface="Cambria Math" charset="0"/>
+                          <a:ea typeface="Microsoft YaHei" charset="-122"/>
+                          <a:cs typeface="Microsoft YaHei" charset="-122"/>
+                        </a:rPr>
+                        <m:t>𝑝</m:t>
+                      </m:r>
+                    </m:oMath>
+                  </a14:m>
+                  <a:endParaRPr lang="zh-CN" altLang="en-US" i="1" dirty="0"/>
+                </a:p>
+                <a:p>
+                  <a:endParaRPr lang="zh-CN" altLang="en-US" dirty="0"/>
+                </a:p>
+              </p:txBody>
+            </p:sp>
+          </mc:Choice>
+          <mc:Fallback xmlns="">
+            <p:sp>
+              <p:nvSpPr>
+                <p:cNvPr id="13" name="矩形 12"/>
+                <p:cNvSpPr>
+                  <a:spLocks noRot="1" noChangeAspect="1" noMove="1" noResize="1" noEditPoints="1" noAdjustHandles="1" noChangeArrowheads="1" noChangeShapeType="1" noTextEdit="1"/>
+                </p:cNvSpPr>
+                <p:nvPr/>
+              </p:nvSpPr>
+              <p:spPr>
+                <a:xfrm>
+                  <a:off x="5019516" y="1476520"/>
+                  <a:ext cx="487249" cy="646331"/>
+                </a:xfrm>
+                <a:prstGeom prst="rect">
+                  <a:avLst/>
+                </a:prstGeom>
+                <a:blipFill rotWithShape="0">
+                  <a:blip r:embed="rId4"/>
+                  <a:stretch>
+                    <a:fillRect l="-10000" t="-5660"/>
+                  </a:stretch>
+                </a:blipFill>
+              </p:spPr>
+              <p:txBody>
+                <a:bodyPr/>
+                <a:lstStyle/>
+                <a:p>
+                  <a:r>
+                    <a:rPr lang="zh-CN" altLang="en-US">
+                      <a:noFill/>
+                    </a:rPr>
+                    <a:t> </a:t>
+                  </a:r>
+                </a:p>
+              </p:txBody>
+            </p:sp>
+          </mc:Fallback>
+        </mc:AlternateContent>
+        <mc:AlternateContent xmlns:mc="http://schemas.openxmlformats.org/markup-compatibility/2006" xmlns:a14="http://schemas.microsoft.com/office/drawing/2010/main">
+          <mc:Choice Requires="a14">
+            <p:sp>
+              <p:nvSpPr>
+                <p:cNvPr id="14" name="矩形 13"/>
+                <p:cNvSpPr/>
+                <p:nvPr/>
+              </p:nvSpPr>
+              <p:spPr>
+                <a:xfrm>
+                  <a:off x="5079469" y="2541074"/>
+                  <a:ext cx="427296" cy="646331"/>
+                </a:xfrm>
+                <a:prstGeom prst="rect">
+                  <a:avLst/>
+                </a:prstGeom>
+              </p:spPr>
+              <p:txBody>
+                <a:bodyPr wrap="none">
+                  <a:spAutoFit/>
+                </a:bodyPr>
+                <a:lstStyle/>
+                <a:p>
+                  <a:pPr/>
+                  <a14:m>
+                    <m:oMathPara xmlns:m="http://schemas.openxmlformats.org/officeDocument/2006/math">
+                      <m:oMathParaPr>
+                        <m:jc m:val="centerGroup"/>
+                      </m:oMathParaPr>
+                      <m:oMath xmlns:m="http://schemas.openxmlformats.org/officeDocument/2006/math">
+                        <m:r>
+                          <a:rPr kumimoji="1" lang="en-US" altLang="zh-CN" i="1" dirty="0">
+                            <a:latin typeface="Cambria Math" charset="0"/>
+                            <a:ea typeface="Microsoft YaHei" charset="-122"/>
+                            <a:cs typeface="Microsoft YaHei" charset="-122"/>
+                          </a:rPr>
+                          <m:t>𝑝</m:t>
+                        </m:r>
+                      </m:oMath>
+                    </m:oMathPara>
+                  </a14:m>
+                  <a:endParaRPr lang="zh-CN" altLang="en-US" i="1" dirty="0"/>
+                </a:p>
+                <a:p>
+                  <a:endParaRPr lang="zh-CN" altLang="en-US" dirty="0"/>
+                </a:p>
+              </p:txBody>
+            </p:sp>
+          </mc:Choice>
+          <mc:Fallback xmlns="">
+            <p:sp>
+              <p:nvSpPr>
+                <p:cNvPr id="14" name="矩形 13"/>
+                <p:cNvSpPr>
+                  <a:spLocks noRot="1" noChangeAspect="1" noMove="1" noResize="1" noEditPoints="1" noAdjustHandles="1" noChangeArrowheads="1" noChangeShapeType="1" noTextEdit="1"/>
+                </p:cNvSpPr>
+                <p:nvPr/>
+              </p:nvSpPr>
+              <p:spPr>
+                <a:xfrm>
+                  <a:off x="5079469" y="2541074"/>
+                  <a:ext cx="427296" cy="646331"/>
+                </a:xfrm>
+                <a:prstGeom prst="rect">
+                  <a:avLst/>
+                </a:prstGeom>
+                <a:blipFill rotWithShape="0">
+                  <a:blip r:embed="rId5"/>
+                  <a:stretch>
+                    <a:fillRect/>
+                  </a:stretch>
+                </a:blipFill>
+              </p:spPr>
+              <p:txBody>
+                <a:bodyPr/>
+                <a:lstStyle/>
+                <a:p>
+                  <a:r>
+                    <a:rPr lang="zh-CN" altLang="en-US">
+                      <a:noFill/>
+                    </a:rPr>
+                    <a:t> </a:t>
+                  </a:r>
+                </a:p>
+              </p:txBody>
+            </p:sp>
+          </mc:Fallback>
+        </mc:AlternateContent>
+        <mc:AlternateContent xmlns:mc="http://schemas.openxmlformats.org/markup-compatibility/2006" xmlns:a14="http://schemas.microsoft.com/office/drawing/2010/main">
+          <mc:Choice Requires="a14">
+            <p:sp>
+              <p:nvSpPr>
+                <p:cNvPr id="15" name="矩形 14"/>
+                <p:cNvSpPr/>
+                <p:nvPr/>
+              </p:nvSpPr>
+              <p:spPr>
+                <a:xfrm>
+                  <a:off x="5605376" y="1443263"/>
+                  <a:ext cx="1134575" cy="441841"/>
+                </a:xfrm>
+                <a:prstGeom prst="rect">
+                  <a:avLst/>
+                </a:prstGeom>
+                <a:ln w="25400"/>
+              </p:spPr>
+              <p:style>
+                <a:lnRef idx="2">
+                  <a:schemeClr val="dk1"/>
+                </a:lnRef>
+                <a:fillRef idx="1">
+                  <a:schemeClr val="lt1"/>
+                </a:fillRef>
+                <a:effectRef idx="0">
+                  <a:schemeClr val="dk1"/>
+                </a:effectRef>
+                <a:fontRef idx="minor">
+                  <a:schemeClr val="dk1"/>
+                </a:fontRef>
+              </p:style>
+              <p:txBody>
+                <a:bodyPr rtlCol="0" anchor="ctr"/>
+                <a:lstStyle/>
+                <a:p>
+                  <a:pPr algn="ctr"/>
+                  <a:r>
+                    <a:rPr kumimoji="1" lang="en-US" altLang="zh-CN" dirty="0">
+                      <a:latin typeface="Microsoft YaHei" charset="-122"/>
+                      <a:ea typeface="Microsoft YaHei" charset="-122"/>
+                      <a:cs typeface="Microsoft YaHei" charset="-122"/>
+                    </a:rPr>
+                    <a:t>DSCP=</a:t>
+                  </a:r>
+                  <a14:m>
+                    <m:oMath xmlns:m="http://schemas.openxmlformats.org/officeDocument/2006/math">
+                      <m:r>
+                        <a:rPr kumimoji="1" lang="en-US" altLang="zh-CN" b="0" i="1" smtClean="0">
+                          <a:latin typeface="Cambria Math" charset="0"/>
+                          <a:ea typeface="Microsoft YaHei" charset="-122"/>
+                          <a:cs typeface="Microsoft YaHei" charset="-122"/>
+                        </a:rPr>
+                        <m:t>𝑦</m:t>
+                      </m:r>
+                    </m:oMath>
+                  </a14:m>
+                  <a:endParaRPr kumimoji="1" lang="zh-CN" altLang="en-US" dirty="0">
+                    <a:latin typeface="Microsoft YaHei" charset="-122"/>
+                    <a:ea typeface="Microsoft YaHei" charset="-122"/>
+                    <a:cs typeface="Microsoft YaHei" charset="-122"/>
+                  </a:endParaRPr>
+                </a:p>
+              </p:txBody>
+            </p:sp>
+          </mc:Choice>
+          <mc:Fallback xmlns="">
+            <p:sp>
+              <p:nvSpPr>
+                <p:cNvPr id="15" name="矩形 14"/>
+                <p:cNvSpPr>
+                  <a:spLocks noRot="1" noChangeAspect="1" noMove="1" noResize="1" noEditPoints="1" noAdjustHandles="1" noChangeArrowheads="1" noChangeShapeType="1" noTextEdit="1"/>
+                </p:cNvSpPr>
+                <p:nvPr/>
+              </p:nvSpPr>
+              <p:spPr>
+                <a:xfrm>
+                  <a:off x="5605376" y="1443263"/>
+                  <a:ext cx="1134575" cy="441841"/>
+                </a:xfrm>
+                <a:prstGeom prst="rect">
+                  <a:avLst/>
+                </a:prstGeom>
+                <a:blipFill rotWithShape="0">
+                  <a:blip r:embed="rId6"/>
+                  <a:stretch>
+                    <a:fillRect l="-2105" b="-10390"/>
+                  </a:stretch>
+                </a:blipFill>
+                <a:ln w="25400"/>
+              </p:spPr>
+              <p:txBody>
+                <a:bodyPr/>
+                <a:lstStyle/>
+                <a:p>
+                  <a:r>
+                    <a:rPr lang="zh-CN" altLang="en-US">
+                      <a:noFill/>
+                    </a:rPr>
+                    <a:t> </a:t>
+                  </a:r>
+                </a:p>
+              </p:txBody>
+            </p:sp>
+          </mc:Fallback>
+        </mc:AlternateContent>
+        <mc:AlternateContent xmlns:mc="http://schemas.openxmlformats.org/markup-compatibility/2006" xmlns:a14="http://schemas.microsoft.com/office/drawing/2010/main">
+          <mc:Choice Requires="a14">
+            <p:sp>
+              <p:nvSpPr>
+                <p:cNvPr id="16" name="矩形 15"/>
+                <p:cNvSpPr/>
+                <p:nvPr/>
+              </p:nvSpPr>
+              <p:spPr>
+                <a:xfrm>
+                  <a:off x="5605376" y="1920842"/>
+                  <a:ext cx="1134575" cy="1745953"/>
+                </a:xfrm>
+                <a:prstGeom prst="rect">
+                  <a:avLst/>
+                </a:prstGeom>
+                <a:ln w="25400"/>
+              </p:spPr>
+              <p:style>
+                <a:lnRef idx="2">
+                  <a:schemeClr val="dk1"/>
+                </a:lnRef>
+                <a:fillRef idx="1">
+                  <a:schemeClr val="lt1"/>
+                </a:fillRef>
+                <a:effectRef idx="0">
+                  <a:schemeClr val="dk1"/>
+                </a:effectRef>
+                <a:fontRef idx="minor">
+                  <a:schemeClr val="dk1"/>
+                </a:fontRef>
+              </p:style>
+              <p:txBody>
+                <a:bodyPr rtlCol="0" anchor="ctr"/>
+                <a:lstStyle/>
+                <a:p>
+                  <a:pPr algn="ctr"/>
+                  <a:r>
+                    <a:rPr kumimoji="1" lang="en-US" altLang="zh-CN" dirty="0">
+                      <a:latin typeface="Microsoft YaHei" charset="-122"/>
+                      <a:ea typeface="Microsoft YaHei" charset="-122"/>
+                      <a:cs typeface="Microsoft YaHei" charset="-122"/>
+                    </a:rPr>
+                    <a:t>DSCP=</a:t>
+                  </a:r>
+                  <a14:m>
+                    <m:oMath xmlns:m="http://schemas.openxmlformats.org/officeDocument/2006/math">
+                      <m:r>
+                        <a:rPr kumimoji="1" lang="en-US" altLang="zh-CN" b="0" i="1" smtClean="0">
+                          <a:latin typeface="Cambria Math" charset="0"/>
+                          <a:ea typeface="Microsoft YaHei" charset="-122"/>
+                          <a:cs typeface="Microsoft YaHei" charset="-122"/>
+                        </a:rPr>
+                        <m:t>𝑥</m:t>
+                      </m:r>
+                    </m:oMath>
+                  </a14:m>
+                  <a:endParaRPr kumimoji="1" lang="zh-CN" altLang="en-US" i="1" dirty="0">
+                    <a:latin typeface="Cambria Math" charset="0"/>
+                    <a:ea typeface="Cambria Math" charset="0"/>
+                    <a:cs typeface="Cambria Math" charset="0"/>
+                  </a:endParaRPr>
+                </a:p>
+              </p:txBody>
+            </p:sp>
+          </mc:Choice>
+          <mc:Fallback xmlns="">
+            <p:sp>
+              <p:nvSpPr>
+                <p:cNvPr id="16" name="矩形 15"/>
+                <p:cNvSpPr>
+                  <a:spLocks noRot="1" noChangeAspect="1" noMove="1" noResize="1" noEditPoints="1" noAdjustHandles="1" noChangeArrowheads="1" noChangeShapeType="1" noTextEdit="1"/>
+                </p:cNvSpPr>
+                <p:nvPr/>
+              </p:nvSpPr>
+              <p:spPr>
+                <a:xfrm>
+                  <a:off x="5605376" y="1920842"/>
+                  <a:ext cx="1134575" cy="1745953"/>
+                </a:xfrm>
+                <a:prstGeom prst="rect">
+                  <a:avLst/>
+                </a:prstGeom>
+                <a:blipFill rotWithShape="0">
+                  <a:blip r:embed="rId7"/>
+                  <a:stretch>
+                    <a:fillRect l="-1579"/>
+                  </a:stretch>
+                </a:blipFill>
+                <a:ln w="25400"/>
+              </p:spPr>
+              <p:txBody>
+                <a:bodyPr/>
+                <a:lstStyle/>
+                <a:p>
+                  <a:r>
+                    <a:rPr lang="zh-CN" altLang="en-US">
+                      <a:noFill/>
+                    </a:rPr>
+                    <a:t> </a:t>
+                  </a:r>
+                </a:p>
+              </p:txBody>
+            </p:sp>
+          </mc:Fallback>
+        </mc:AlternateContent>
+        <p:cxnSp>
+          <p:nvCxnSpPr>
+            <p:cNvPr id="17" name="直线连接符 16"/>
+            <p:cNvCxnSpPr/>
+            <p:nvPr/>
+          </p:nvCxnSpPr>
+          <p:spPr>
+            <a:xfrm flipH="1">
+              <a:off x="6739952" y="2783232"/>
+              <a:ext cx="539314" cy="0"/>
+            </a:xfrm>
+            <a:prstGeom prst="line">
+              <a:avLst/>
+            </a:prstGeom>
+            <a:ln w="25400">
+              <a:headEnd type="triangle"/>
+              <a:tailEnd type="none"/>
+            </a:ln>
+          </p:spPr>
+          <p:style>
+            <a:lnRef idx="1">
+              <a:schemeClr val="dk1"/>
+            </a:lnRef>
+            <a:fillRef idx="0">
+              <a:schemeClr val="dk1"/>
+            </a:fillRef>
+            <a:effectRef idx="0">
+              <a:schemeClr val="dk1"/>
+            </a:effectRef>
+            <a:fontRef idx="minor">
+              <a:schemeClr val="tx1"/>
+            </a:fontRef>
+          </p:style>
+        </p:cxnSp>
+        <p:sp>
+          <p:nvSpPr>
+            <p:cNvPr id="18" name="文本框 17"/>
+            <p:cNvSpPr txBox="1"/>
+            <p:nvPr/>
+          </p:nvSpPr>
+          <p:spPr>
+            <a:xfrm>
+              <a:off x="7279266" y="2591283"/>
+              <a:ext cx="2794355" cy="369332"/>
+            </a:xfrm>
+            <a:prstGeom prst="rect">
+              <a:avLst/>
+            </a:prstGeom>
+            <a:noFill/>
+          </p:spPr>
+          <p:txBody>
+            <a:bodyPr wrap="none" rtlCol="0">
+              <a:spAutoFit/>
+            </a:bodyPr>
+            <a:lstStyle/>
+            <a:p>
+              <a:r>
+                <a:rPr kumimoji="1" lang="en-US" altLang="zh-CN" dirty="0">
+                  <a:latin typeface="Microsoft YaHei" charset="-122"/>
+                  <a:ea typeface="Microsoft YaHei" charset="-122"/>
+                  <a:cs typeface="Microsoft YaHei" charset="-122"/>
+                </a:rPr>
+                <a:t>Go</a:t>
+              </a:r>
+              <a:r>
+                <a:rPr kumimoji="1" lang="zh-CN" altLang="en-US" dirty="0">
+                  <a:latin typeface="Microsoft YaHei" charset="-122"/>
+                  <a:ea typeface="Microsoft YaHei" charset="-122"/>
+                  <a:cs typeface="Microsoft YaHei" charset="-122"/>
+                </a:rPr>
+                <a:t> </a:t>
+              </a:r>
+              <a:r>
+                <a:rPr kumimoji="1" lang="en-US" altLang="zh-CN" dirty="0">
+                  <a:latin typeface="Microsoft YaHei" charset="-122"/>
+                  <a:ea typeface="Microsoft YaHei" charset="-122"/>
+                  <a:cs typeface="Microsoft YaHei" charset="-122"/>
+                </a:rPr>
+                <a:t>through</a:t>
+              </a:r>
+              <a:r>
+                <a:rPr kumimoji="1" lang="zh-CN" altLang="en-US" dirty="0">
+                  <a:latin typeface="Microsoft YaHei" charset="-122"/>
+                  <a:ea typeface="Microsoft YaHei" charset="-122"/>
+                  <a:cs typeface="Microsoft YaHei" charset="-122"/>
+                </a:rPr>
+                <a:t> </a:t>
+              </a:r>
+              <a:r>
+                <a:rPr kumimoji="1" lang="en-US" altLang="zh-CN" dirty="0">
+                  <a:latin typeface="Microsoft YaHei" charset="-122"/>
+                  <a:ea typeface="Microsoft YaHei" charset="-122"/>
+                  <a:cs typeface="Microsoft YaHei" charset="-122"/>
+                </a:rPr>
+                <a:t>direct</a:t>
+              </a:r>
+              <a:r>
+                <a:rPr kumimoji="1" lang="zh-CN" altLang="en-US" dirty="0">
+                  <a:latin typeface="Microsoft YaHei" charset="-122"/>
+                  <a:ea typeface="Microsoft YaHei" charset="-122"/>
+                  <a:cs typeface="Microsoft YaHei" charset="-122"/>
+                </a:rPr>
+                <a:t> </a:t>
+              </a:r>
+              <a:r>
+                <a:rPr kumimoji="1" lang="en-US" altLang="zh-CN" dirty="0">
+                  <a:latin typeface="Microsoft YaHei" charset="-122"/>
+                  <a:ea typeface="Microsoft YaHei" charset="-122"/>
+                  <a:cs typeface="Microsoft YaHei" charset="-122"/>
+                </a:rPr>
+                <a:t>path</a:t>
+              </a:r>
+              <a:endParaRPr kumimoji="1" lang="zh-CN" altLang="en-US" dirty="0">
+                <a:latin typeface="Microsoft YaHei" charset="-122"/>
+                <a:ea typeface="Microsoft YaHei" charset="-122"/>
+                <a:cs typeface="Microsoft YaHei" charset="-122"/>
+              </a:endParaRPr>
+            </a:p>
+          </p:txBody>
+        </p:sp>
+        <p:cxnSp>
+          <p:nvCxnSpPr>
+            <p:cNvPr id="19" name="直线连接符 18"/>
+            <p:cNvCxnSpPr/>
+            <p:nvPr/>
+          </p:nvCxnSpPr>
+          <p:spPr>
+            <a:xfrm flipH="1">
+              <a:off x="6739951" y="1664183"/>
+              <a:ext cx="539314" cy="0"/>
+            </a:xfrm>
+            <a:prstGeom prst="line">
+              <a:avLst/>
+            </a:prstGeom>
+            <a:ln w="25400">
+              <a:headEnd type="triangle"/>
+              <a:tailEnd type="none"/>
+            </a:ln>
+          </p:spPr>
+          <p:style>
+            <a:lnRef idx="1">
+              <a:schemeClr val="dk1"/>
+            </a:lnRef>
+            <a:fillRef idx="0">
+              <a:schemeClr val="dk1"/>
+            </a:fillRef>
+            <a:effectRef idx="0">
+              <a:schemeClr val="dk1"/>
+            </a:effectRef>
+            <a:fontRef idx="minor">
+              <a:schemeClr val="tx1"/>
+            </a:fontRef>
+          </p:style>
+        </p:cxnSp>
+        <p:sp>
+          <p:nvSpPr>
+            <p:cNvPr id="20" name="矩形 19"/>
+            <p:cNvSpPr/>
+            <p:nvPr/>
+          </p:nvSpPr>
+          <p:spPr>
+            <a:xfrm>
+              <a:off x="8936707" y="1479516"/>
+              <a:ext cx="2708300" cy="923330"/>
+            </a:xfrm>
+            <a:prstGeom prst="rect">
+              <a:avLst/>
+            </a:prstGeom>
+          </p:spPr>
+          <p:txBody>
+            <a:bodyPr wrap="square">
+              <a:spAutoFit/>
+            </a:bodyPr>
+            <a:lstStyle/>
+            <a:p>
+              <a:r>
+                <a:rPr kumimoji="1" lang="en-US" altLang="zh-CN" dirty="0">
+                  <a:solidFill>
+                    <a:srgbClr val="FF0000"/>
+                  </a:solidFill>
+                  <a:latin typeface="Microsoft YaHei" charset="-122"/>
+                  <a:ea typeface="Microsoft YaHei" charset="-122"/>
+                  <a:cs typeface="Microsoft YaHei" charset="-122"/>
+                </a:rPr>
+                <a:t>If</a:t>
+              </a:r>
+              <a:r>
+                <a:rPr kumimoji="1" lang="zh-CN" altLang="en-US" dirty="0">
+                  <a:solidFill>
+                    <a:srgbClr val="FF0000"/>
+                  </a:solidFill>
+                  <a:latin typeface="Microsoft YaHei" charset="-122"/>
+                  <a:ea typeface="Microsoft YaHei" charset="-122"/>
+                  <a:cs typeface="Microsoft YaHei" charset="-122"/>
+                </a:rPr>
+                <a:t> </a:t>
+              </a:r>
+              <a:r>
+                <a:rPr kumimoji="1" lang="en-US" altLang="zh-CN" dirty="0">
+                  <a:solidFill>
+                    <a:srgbClr val="FF0000"/>
+                  </a:solidFill>
+                  <a:latin typeface="Microsoft YaHei" charset="-122"/>
+                  <a:ea typeface="Microsoft YaHei" charset="-122"/>
+                  <a:cs typeface="Microsoft YaHei" charset="-122"/>
+                </a:rPr>
+                <a:t>exceed</a:t>
+              </a:r>
+              <a:r>
+                <a:rPr kumimoji="1" lang="zh-CN" altLang="en-US" dirty="0">
+                  <a:solidFill>
+                    <a:srgbClr val="FF0000"/>
+                  </a:solidFill>
+                  <a:latin typeface="Microsoft YaHei" charset="-122"/>
+                  <a:ea typeface="Microsoft YaHei" charset="-122"/>
+                  <a:cs typeface="Microsoft YaHei" charset="-122"/>
+                </a:rPr>
+                <a:t> </a:t>
+              </a:r>
+              <a:r>
+                <a:rPr kumimoji="1" lang="en-US" altLang="zh-CN" dirty="0">
+                  <a:solidFill>
+                    <a:srgbClr val="FF0000"/>
+                  </a:solidFill>
+                  <a:latin typeface="Microsoft YaHei" charset="-122"/>
+                  <a:ea typeface="Microsoft YaHei" charset="-122"/>
+                  <a:cs typeface="Microsoft YaHei" charset="-122"/>
+                </a:rPr>
+                <a:t>threshold</a:t>
+              </a:r>
+              <a:r>
+                <a:rPr kumimoji="1" lang="en-US" altLang="zh-CN" dirty="0">
+                  <a:latin typeface="Microsoft YaHei" charset="-122"/>
+                  <a:ea typeface="Microsoft YaHei" charset="-122"/>
+                  <a:cs typeface="Microsoft YaHei" charset="-122"/>
+                </a:rPr>
+                <a:t>,</a:t>
+              </a:r>
+              <a:r>
+                <a:rPr kumimoji="1" lang="zh-CN" altLang="en-US" dirty="0">
+                  <a:latin typeface="Microsoft YaHei" charset="-122"/>
+                  <a:ea typeface="Microsoft YaHei" charset="-122"/>
+                  <a:cs typeface="Microsoft YaHei" charset="-122"/>
+                </a:rPr>
+                <a:t> </a:t>
+              </a:r>
+              <a:r>
+                <a:rPr kumimoji="1" lang="en-US" altLang="zh-CN" dirty="0">
+                  <a:latin typeface="Microsoft YaHei" charset="-122"/>
+                  <a:ea typeface="Microsoft YaHei" charset="-122"/>
+                  <a:cs typeface="Microsoft YaHei" charset="-122"/>
+                </a:rPr>
+                <a:t>go</a:t>
+              </a:r>
+              <a:r>
+                <a:rPr kumimoji="1" lang="zh-CN" altLang="en-US" dirty="0">
+                  <a:latin typeface="Microsoft YaHei" charset="-122"/>
+                  <a:ea typeface="Microsoft YaHei" charset="-122"/>
+                  <a:cs typeface="Microsoft YaHei" charset="-122"/>
+                </a:rPr>
+                <a:t> </a:t>
+              </a:r>
+              <a:r>
+                <a:rPr kumimoji="1" lang="en-US" altLang="zh-CN" dirty="0">
+                  <a:latin typeface="Microsoft YaHei" charset="-122"/>
+                  <a:ea typeface="Microsoft YaHei" charset="-122"/>
+                  <a:cs typeface="Microsoft YaHei" charset="-122"/>
+                </a:rPr>
+                <a:t>through</a:t>
+              </a:r>
+              <a:r>
+                <a:rPr kumimoji="1" lang="zh-CN" altLang="en-US" dirty="0">
+                  <a:latin typeface="Microsoft YaHei" charset="-122"/>
+                  <a:ea typeface="Microsoft YaHei" charset="-122"/>
+                  <a:cs typeface="Microsoft YaHei" charset="-122"/>
+                </a:rPr>
+                <a:t> </a:t>
+              </a:r>
+              <a:r>
+                <a:rPr kumimoji="1" lang="en-US" altLang="zh-CN" dirty="0">
+                  <a:latin typeface="Microsoft YaHei" charset="-122"/>
+                  <a:ea typeface="Microsoft YaHei" charset="-122"/>
+                  <a:cs typeface="Microsoft YaHei" charset="-122"/>
+                </a:rPr>
+                <a:t>indirect</a:t>
+              </a:r>
+              <a:r>
+                <a:rPr kumimoji="1" lang="zh-CN" altLang="en-US" dirty="0">
+                  <a:latin typeface="Microsoft YaHei" charset="-122"/>
+                  <a:ea typeface="Microsoft YaHei" charset="-122"/>
+                  <a:cs typeface="Microsoft YaHei" charset="-122"/>
+                </a:rPr>
+                <a:t> </a:t>
+              </a:r>
+              <a:r>
+                <a:rPr kumimoji="1" lang="en-US" altLang="zh-CN" dirty="0">
+                  <a:latin typeface="Microsoft YaHei" charset="-122"/>
+                  <a:ea typeface="Microsoft YaHei" charset="-122"/>
+                  <a:cs typeface="Microsoft YaHei" charset="-122"/>
+                </a:rPr>
+                <a:t>(2-hop)</a:t>
+              </a:r>
+              <a:r>
+                <a:rPr kumimoji="1" lang="zh-CN" altLang="en-US" dirty="0">
+                  <a:latin typeface="Microsoft YaHei" charset="-122"/>
+                  <a:ea typeface="Microsoft YaHei" charset="-122"/>
+                  <a:cs typeface="Microsoft YaHei" charset="-122"/>
+                </a:rPr>
+                <a:t> </a:t>
+              </a:r>
+              <a:r>
+                <a:rPr kumimoji="1" lang="en-US" altLang="zh-CN" dirty="0">
+                  <a:latin typeface="Microsoft YaHei" charset="-122"/>
+                  <a:ea typeface="Microsoft YaHei" charset="-122"/>
+                  <a:cs typeface="Microsoft YaHei" charset="-122"/>
+                </a:rPr>
+                <a:t>path</a:t>
+              </a:r>
+              <a:r>
+                <a:rPr kumimoji="1" lang="zh-CN" altLang="en-US" dirty="0">
+                  <a:latin typeface="Microsoft YaHei" charset="-122"/>
+                  <a:ea typeface="Microsoft YaHei" charset="-122"/>
+                  <a:cs typeface="Microsoft YaHei" charset="-122"/>
+                </a:rPr>
+                <a:t> </a:t>
+              </a:r>
+              <a:r>
+                <a:rPr kumimoji="1" lang="en-US" altLang="zh-CN" dirty="0">
+                  <a:latin typeface="Microsoft YaHei" charset="-122"/>
+                  <a:ea typeface="Microsoft YaHei" charset="-122"/>
+                  <a:cs typeface="Microsoft YaHei" charset="-122"/>
+                </a:rPr>
+                <a:t>randomly.</a:t>
+              </a:r>
+              <a:r>
+                <a:rPr kumimoji="1" lang="zh-CN" altLang="en-US" dirty="0">
+                  <a:latin typeface="Microsoft YaHei" charset="-122"/>
+                  <a:ea typeface="Microsoft YaHei" charset="-122"/>
+                  <a:cs typeface="Microsoft YaHei" charset="-122"/>
+                </a:rPr>
+                <a:t> </a:t>
+              </a:r>
+            </a:p>
+          </p:txBody>
+        </p:sp>
+        <p:sp>
+          <p:nvSpPr>
+            <p:cNvPr id="21" name="矩形 20"/>
+            <p:cNvSpPr/>
+            <p:nvPr/>
+          </p:nvSpPr>
+          <p:spPr>
+            <a:xfrm>
+              <a:off x="7281838" y="1205514"/>
+              <a:ext cx="1134575" cy="917337"/>
+            </a:xfrm>
+            <a:prstGeom prst="rect">
+              <a:avLst/>
+            </a:prstGeom>
+            <a:ln w="25400"/>
+          </p:spPr>
+          <p:style>
+            <a:lnRef idx="2">
+              <a:schemeClr val="dk1"/>
+            </a:lnRef>
+            <a:fillRef idx="1">
+              <a:schemeClr val="lt1"/>
+            </a:fillRef>
+            <a:effectRef idx="0">
+              <a:schemeClr val="dk1"/>
+            </a:effectRef>
+            <a:fontRef idx="minor">
+              <a:schemeClr val="dk1"/>
+            </a:fontRef>
+          </p:style>
+          <p:txBody>
+            <a:bodyPr rtlCol="0" anchor="ctr"/>
+            <a:lstStyle/>
+            <a:p>
+              <a:pPr algn="ctr"/>
+              <a:r>
+                <a:rPr kumimoji="1" lang="en-US" altLang="zh-CN" dirty="0">
+                  <a:latin typeface="Microsoft YaHei" charset="-122"/>
+                  <a:ea typeface="Microsoft YaHei" charset="-122"/>
+                  <a:cs typeface="Microsoft YaHei" charset="-122"/>
+                </a:rPr>
+                <a:t>Group</a:t>
+              </a:r>
+            </a:p>
+            <a:p>
+              <a:pPr algn="ctr"/>
+              <a:r>
+                <a:rPr kumimoji="1" lang="en-US" altLang="zh-CN" dirty="0">
+                  <a:latin typeface="Microsoft YaHei" charset="-122"/>
+                  <a:ea typeface="Microsoft YaHei" charset="-122"/>
+                  <a:cs typeface="Microsoft YaHei" charset="-122"/>
+                </a:rPr>
+                <a:t>Table</a:t>
+              </a:r>
+              <a:endParaRPr kumimoji="1" lang="zh-CN" altLang="en-US" dirty="0">
+                <a:latin typeface="Microsoft YaHei" charset="-122"/>
+                <a:ea typeface="Microsoft YaHei" charset="-122"/>
+                <a:cs typeface="Microsoft YaHei" charset="-122"/>
+              </a:endParaRPr>
+            </a:p>
+          </p:txBody>
+        </p:sp>
+        <p:cxnSp>
+          <p:nvCxnSpPr>
+            <p:cNvPr id="22" name="直线连接符 21"/>
+            <p:cNvCxnSpPr/>
+            <p:nvPr/>
+          </p:nvCxnSpPr>
+          <p:spPr>
+            <a:xfrm flipH="1">
+              <a:off x="8416413" y="1664182"/>
+              <a:ext cx="539314" cy="0"/>
+            </a:xfrm>
+            <a:prstGeom prst="line">
+              <a:avLst/>
+            </a:prstGeom>
+            <a:ln w="25400">
+              <a:headEnd type="triangle"/>
+              <a:tailEnd type="none"/>
+            </a:ln>
+          </p:spPr>
+          <p:style>
+            <a:lnRef idx="1">
+              <a:schemeClr val="dk1"/>
+            </a:lnRef>
+            <a:fillRef idx="0">
+              <a:schemeClr val="dk1"/>
+            </a:fillRef>
+            <a:effectRef idx="0">
+              <a:schemeClr val="dk1"/>
+            </a:effectRef>
+            <a:fontRef idx="minor">
+              <a:schemeClr val="tx1"/>
+            </a:fontRef>
+          </p:style>
+        </p:cxnSp>
+        <p:sp>
+          <p:nvSpPr>
+            <p:cNvPr id="28" name="左大括号 27"/>
+            <p:cNvSpPr/>
+            <p:nvPr/>
+          </p:nvSpPr>
+          <p:spPr>
+            <a:xfrm rot="5400000">
+              <a:off x="4956566" y="-2350795"/>
+              <a:ext cx="369940" cy="6549754"/>
+            </a:xfrm>
+            <a:prstGeom prst="leftBrace">
+              <a:avLst/>
+            </a:prstGeom>
+            <a:ln w="25400">
+              <a:solidFill>
+                <a:schemeClr val="tx1"/>
+              </a:solidFill>
+            </a:ln>
+          </p:spPr>
+          <p:style>
+            <a:lnRef idx="1">
+              <a:schemeClr val="accent1"/>
+            </a:lnRef>
+            <a:fillRef idx="0">
+              <a:schemeClr val="accent1"/>
+            </a:fillRef>
+            <a:effectRef idx="0">
+              <a:schemeClr val="accent1"/>
+            </a:effectRef>
+            <a:fontRef idx="minor">
+              <a:schemeClr val="tx1"/>
+            </a:fontRef>
+          </p:style>
+          <p:txBody>
+            <a:bodyPr rtlCol="0" anchor="ctr"/>
+            <a:lstStyle/>
+            <a:p>
+              <a:pPr algn="ctr"/>
+              <a:endParaRPr kumimoji="1" lang="zh-CN" altLang="en-US"/>
+            </a:p>
+          </p:txBody>
+        </p:sp>
+        <p:sp>
+          <p:nvSpPr>
+            <p:cNvPr id="29" name="矩形 28"/>
+            <p:cNvSpPr/>
+            <p:nvPr/>
+          </p:nvSpPr>
+          <p:spPr>
+            <a:xfrm>
+              <a:off x="2279529" y="389181"/>
+              <a:ext cx="6096000" cy="369332"/>
+            </a:xfrm>
+            <a:prstGeom prst="rect">
+              <a:avLst/>
+            </a:prstGeom>
+          </p:spPr>
+          <p:txBody>
+            <a:bodyPr>
+              <a:spAutoFit/>
+            </a:bodyPr>
+            <a:lstStyle/>
+            <a:p>
+              <a:pPr algn="ctr"/>
+              <a:r>
+                <a:rPr kumimoji="1" lang="en-US" altLang="zh-CN" dirty="0">
+                  <a:latin typeface="Microsoft YaHei" charset="-122"/>
+                  <a:ea typeface="Microsoft YaHei" charset="-122"/>
+                  <a:cs typeface="Microsoft YaHei" charset="-122"/>
+                </a:rPr>
+                <a:t>Multiple</a:t>
+              </a:r>
+              <a:r>
+                <a:rPr kumimoji="1" lang="zh-CN" altLang="en-US" dirty="0">
+                  <a:latin typeface="Microsoft YaHei" charset="-122"/>
+                  <a:ea typeface="Microsoft YaHei" charset="-122"/>
+                  <a:cs typeface="Microsoft YaHei" charset="-122"/>
+                </a:rPr>
+                <a:t> </a:t>
+              </a:r>
+              <a:r>
+                <a:rPr kumimoji="1" lang="en-US" altLang="zh-CN" dirty="0">
+                  <a:latin typeface="Microsoft YaHei" charset="-122"/>
+                  <a:ea typeface="Microsoft YaHei" charset="-122"/>
+                  <a:cs typeface="Microsoft YaHei" charset="-122"/>
+                </a:rPr>
+                <a:t>Flow</a:t>
+              </a:r>
+              <a:r>
+                <a:rPr kumimoji="1" lang="zh-CN" altLang="en-US" dirty="0">
+                  <a:latin typeface="Microsoft YaHei" charset="-122"/>
+                  <a:ea typeface="Microsoft YaHei" charset="-122"/>
+                  <a:cs typeface="Microsoft YaHei" charset="-122"/>
+                </a:rPr>
+                <a:t> </a:t>
+              </a:r>
+              <a:r>
+                <a:rPr kumimoji="1" lang="en-US" altLang="zh-CN" dirty="0">
+                  <a:latin typeface="Microsoft YaHei" charset="-122"/>
+                  <a:ea typeface="Microsoft YaHei" charset="-122"/>
+                  <a:cs typeface="Microsoft YaHei" charset="-122"/>
+                </a:rPr>
+                <a:t>Table</a:t>
+              </a:r>
+              <a:r>
+                <a:rPr kumimoji="1" lang="zh-CN" altLang="en-US" dirty="0">
+                  <a:latin typeface="Microsoft YaHei" charset="-122"/>
+                  <a:ea typeface="Microsoft YaHei" charset="-122"/>
+                  <a:cs typeface="Microsoft YaHei" charset="-122"/>
+                </a:rPr>
+                <a:t> </a:t>
+              </a:r>
+              <a:r>
+                <a:rPr kumimoji="1" lang="en-US" altLang="zh-CN" dirty="0">
+                  <a:latin typeface="Microsoft YaHei" charset="-122"/>
+                  <a:ea typeface="Microsoft YaHei" charset="-122"/>
+                  <a:cs typeface="Microsoft YaHei" charset="-122"/>
+                </a:rPr>
+                <a:t>(MFT)</a:t>
+              </a:r>
+              <a:r>
+                <a:rPr kumimoji="1" lang="zh-CN" altLang="en-US" dirty="0">
+                  <a:latin typeface="Microsoft YaHei" charset="-122"/>
+                  <a:ea typeface="Microsoft YaHei" charset="-122"/>
+                  <a:cs typeface="Microsoft YaHei" charset="-122"/>
+                </a:rPr>
+                <a:t> </a:t>
+              </a:r>
+              <a:r>
+                <a:rPr kumimoji="1" lang="en-US" altLang="zh-CN" dirty="0">
+                  <a:latin typeface="Microsoft YaHei" charset="-122"/>
+                  <a:ea typeface="Microsoft YaHei" charset="-122"/>
+                  <a:cs typeface="Microsoft YaHei" charset="-122"/>
+                </a:rPr>
+                <a:t>Pipeline</a:t>
+              </a:r>
+              <a:endParaRPr lang="zh-CN" altLang="en-US" i="1" dirty="0"/>
+            </a:p>
+          </p:txBody>
+        </p:sp>
+      </p:grpSp>
+      <p:sp>
+        <p:nvSpPr>
+          <p:cNvPr id="2" name="椭圆 1">
+            <a:extLst>
+              <a:ext uri="{FF2B5EF4-FFF2-40B4-BE49-F238E27FC236}">
+                <a16:creationId xmlns:a16="http://schemas.microsoft.com/office/drawing/2014/main" id="{0307230B-BF60-194D-8875-A1689E7C9652}"/>
+              </a:ext>
+            </a:extLst>
+          </p:cNvPr>
+          <p:cNvSpPr/>
+          <p:nvPr/>
+        </p:nvSpPr>
+        <p:spPr>
+          <a:xfrm>
+            <a:off x="4230054" y="1315649"/>
+            <a:ext cx="6537054" cy="1119651"/>
+          </a:xfrm>
+          <a:prstGeom prst="ellipse">
+            <a:avLst/>
+          </a:prstGeom>
+          <a:noFill/>
+          <a:ln w="28575">
+            <a:solidFill>
+              <a:srgbClr val="FF0000"/>
+            </a:solidFill>
+          </a:ln>
+        </p:spPr>
+        <p:style>
+          <a:lnRef idx="2">
+            <a:schemeClr val="accent1">
+              <a:shade val="50000"/>
+            </a:schemeClr>
+          </a:lnRef>
+          <a:fillRef idx="1">
+            <a:schemeClr val="accent1"/>
+          </a:fillRef>
+          <a:effectRef idx="0">
+            <a:schemeClr val="accent1"/>
+          </a:effectRef>
+          <a:fontRef idx="minor">
+            <a:schemeClr val="lt1"/>
+          </a:fontRef>
+        </p:style>
+        <p:txBody>
+          <a:bodyPr rtlCol="0" anchor="ctr"/>
+          <a:lstStyle/>
+          <a:p>
+            <a:pPr algn="ctr"/>
+            <a:endParaRPr kumimoji="1" lang="zh-SG" altLang="en-US"/>
+          </a:p>
+        </p:txBody>
+      </p:sp>
+      <p:sp>
+        <p:nvSpPr>
+          <p:cNvPr id="3" name="右箭头 2">
+            <a:extLst>
+              <a:ext uri="{FF2B5EF4-FFF2-40B4-BE49-F238E27FC236}">
+                <a16:creationId xmlns:a16="http://schemas.microsoft.com/office/drawing/2014/main" id="{ACCC3A92-7A69-C54F-8074-5CBAB957C49D}"/>
+              </a:ext>
+            </a:extLst>
+          </p:cNvPr>
+          <p:cNvSpPr/>
+          <p:nvPr/>
+        </p:nvSpPr>
+        <p:spPr>
+          <a:xfrm>
+            <a:off x="10106419" y="2725188"/>
+            <a:ext cx="767720" cy="385012"/>
+          </a:xfrm>
+          <a:prstGeom prst="rightArrow">
+            <a:avLst/>
+          </a:prstGeom>
+          <a:ln>
+            <a:noFill/>
+          </a:ln>
+        </p:spPr>
+        <p:style>
+          <a:lnRef idx="2">
+            <a:schemeClr val="accent1">
+              <a:shade val="50000"/>
+            </a:schemeClr>
+          </a:lnRef>
+          <a:fillRef idx="1">
+            <a:schemeClr val="accent1"/>
+          </a:fillRef>
+          <a:effectRef idx="0">
+            <a:schemeClr val="accent1"/>
+          </a:effectRef>
+          <a:fontRef idx="minor">
+            <a:schemeClr val="lt1"/>
+          </a:fontRef>
+        </p:style>
+        <p:txBody>
+          <a:bodyPr rtlCol="0" anchor="ctr"/>
+          <a:lstStyle/>
+          <a:p>
+            <a:pPr algn="ctr"/>
+            <a:endParaRPr kumimoji="1" lang="zh-SG" altLang="en-US"/>
+          </a:p>
+        </p:txBody>
+      </p:sp>
+      <p:sp>
+        <p:nvSpPr>
+          <p:cNvPr id="25" name="文本框 24">
+            <a:extLst>
+              <a:ext uri="{FF2B5EF4-FFF2-40B4-BE49-F238E27FC236}">
+                <a16:creationId xmlns:a16="http://schemas.microsoft.com/office/drawing/2014/main" id="{066E2637-B460-3841-A7C9-2B58E38FDDE0}"/>
+              </a:ext>
+            </a:extLst>
+          </p:cNvPr>
+          <p:cNvSpPr txBox="1"/>
+          <p:nvPr/>
+        </p:nvSpPr>
+        <p:spPr>
+          <a:xfrm>
+            <a:off x="11189970" y="2091690"/>
+            <a:ext cx="4546437" cy="1200329"/>
+          </a:xfrm>
+          <a:prstGeom prst="rect">
+            <a:avLst/>
+          </a:prstGeom>
+          <a:noFill/>
+        </p:spPr>
+        <p:txBody>
+          <a:bodyPr wrap="none" rtlCol="0">
+            <a:spAutoFit/>
+          </a:bodyPr>
+          <a:lstStyle/>
+          <a:p>
+            <a:r>
+              <a:rPr kumimoji="1" lang="en-US" altLang="zh-SG" dirty="0">
+                <a:solidFill>
+                  <a:srgbClr val="0070C0"/>
+                </a:solidFill>
+              </a:rPr>
+              <a:t>Compare</a:t>
+            </a:r>
+            <a:r>
+              <a:rPr kumimoji="1" lang="zh-CN" altLang="en-US" dirty="0">
+                <a:solidFill>
+                  <a:srgbClr val="0070C0"/>
+                </a:solidFill>
+              </a:rPr>
+              <a:t> </a:t>
+            </a:r>
+            <a:r>
+              <a:rPr kumimoji="1" lang="en-US" altLang="zh-CN" dirty="0">
+                <a:solidFill>
+                  <a:srgbClr val="0070C0"/>
+                </a:solidFill>
+              </a:rPr>
+              <a:t>with</a:t>
+            </a:r>
+            <a:r>
+              <a:rPr kumimoji="1" lang="zh-CN" altLang="en-US" dirty="0">
+                <a:solidFill>
+                  <a:srgbClr val="0070C0"/>
+                </a:solidFill>
+              </a:rPr>
+              <a:t> </a:t>
+            </a:r>
+            <a:r>
+              <a:rPr kumimoji="1" lang="en-US" altLang="zh-CN" dirty="0">
+                <a:solidFill>
+                  <a:srgbClr val="0070C0"/>
+                </a:solidFill>
+              </a:rPr>
+              <a:t>WCMP</a:t>
+            </a:r>
+          </a:p>
+          <a:p>
+            <a:pPr marL="285750" indent="-285750">
+              <a:buFont typeface="Arial" panose="020B0604020202020204" pitchFamily="34" charset="0"/>
+              <a:buChar char="•"/>
+            </a:pPr>
+            <a:r>
+              <a:rPr kumimoji="1" lang="en-US" altLang="zh-CN" dirty="0">
+                <a:solidFill>
+                  <a:srgbClr val="0070C0"/>
+                </a:solidFill>
+              </a:rPr>
+              <a:t>Reduce</a:t>
+            </a:r>
+            <a:r>
+              <a:rPr kumimoji="1" lang="zh-CN" altLang="en-US" dirty="0">
+                <a:solidFill>
+                  <a:srgbClr val="0070C0"/>
+                </a:solidFill>
+              </a:rPr>
+              <a:t> </a:t>
+            </a:r>
+            <a:r>
+              <a:rPr kumimoji="1" lang="en-US" altLang="zh-CN" dirty="0">
+                <a:solidFill>
+                  <a:srgbClr val="0070C0"/>
+                </a:solidFill>
+              </a:rPr>
+              <a:t>Max</a:t>
+            </a:r>
+            <a:r>
+              <a:rPr kumimoji="1" lang="zh-CN" altLang="en-US" dirty="0">
+                <a:solidFill>
+                  <a:srgbClr val="0070C0"/>
+                </a:solidFill>
+              </a:rPr>
+              <a:t> </a:t>
+            </a:r>
+            <a:r>
+              <a:rPr kumimoji="1" lang="en-US" altLang="zh-CN" dirty="0">
+                <a:solidFill>
+                  <a:srgbClr val="0070C0"/>
+                </a:solidFill>
+              </a:rPr>
+              <a:t>link</a:t>
+            </a:r>
+            <a:r>
+              <a:rPr kumimoji="1" lang="zh-CN" altLang="en-US" dirty="0">
+                <a:solidFill>
+                  <a:srgbClr val="0070C0"/>
+                </a:solidFill>
+              </a:rPr>
+              <a:t> </a:t>
+            </a:r>
+            <a:r>
+              <a:rPr kumimoji="1" lang="en-US" altLang="zh-CN" dirty="0">
+                <a:solidFill>
+                  <a:srgbClr val="0070C0"/>
+                </a:solidFill>
+              </a:rPr>
+              <a:t>utilization</a:t>
+            </a:r>
+            <a:r>
+              <a:rPr kumimoji="1" lang="zh-CN" altLang="en-US" dirty="0">
+                <a:solidFill>
+                  <a:srgbClr val="0070C0"/>
+                </a:solidFill>
+              </a:rPr>
+              <a:t> </a:t>
+            </a:r>
+            <a:r>
+              <a:rPr kumimoji="1" lang="en-US" altLang="zh-CN" dirty="0">
+                <a:solidFill>
+                  <a:srgbClr val="0070C0"/>
+                </a:solidFill>
+              </a:rPr>
+              <a:t>about</a:t>
+            </a:r>
+            <a:r>
+              <a:rPr kumimoji="1" lang="zh-CN" altLang="en-US" dirty="0">
+                <a:solidFill>
+                  <a:srgbClr val="0070C0"/>
+                </a:solidFill>
+              </a:rPr>
+              <a:t> </a:t>
+            </a:r>
+            <a:r>
+              <a:rPr kumimoji="1" lang="en-US" altLang="zh-CN" dirty="0">
+                <a:solidFill>
+                  <a:srgbClr val="0070C0"/>
+                </a:solidFill>
+              </a:rPr>
+              <a:t>15%</a:t>
+            </a:r>
+          </a:p>
+          <a:p>
+            <a:pPr marL="285750" indent="-285750">
+              <a:buFont typeface="Arial" panose="020B0604020202020204" pitchFamily="34" charset="0"/>
+              <a:buChar char="•"/>
+            </a:pPr>
+            <a:r>
+              <a:rPr kumimoji="1" lang="en-US" altLang="zh-CN" dirty="0">
+                <a:solidFill>
+                  <a:srgbClr val="0070C0"/>
+                </a:solidFill>
+              </a:rPr>
+              <a:t>Reduce</a:t>
+            </a:r>
+            <a:r>
+              <a:rPr kumimoji="1" lang="zh-CN" altLang="en-US" dirty="0">
+                <a:solidFill>
+                  <a:srgbClr val="0070C0"/>
+                </a:solidFill>
+              </a:rPr>
+              <a:t> </a:t>
+            </a:r>
+            <a:r>
+              <a:rPr kumimoji="1" lang="en-US" altLang="zh-CN" dirty="0">
+                <a:solidFill>
+                  <a:srgbClr val="0070C0"/>
+                </a:solidFill>
+              </a:rPr>
+              <a:t>average</a:t>
+            </a:r>
+            <a:r>
+              <a:rPr kumimoji="1" lang="zh-CN" altLang="en-US" dirty="0">
+                <a:solidFill>
+                  <a:srgbClr val="0070C0"/>
+                </a:solidFill>
+              </a:rPr>
+              <a:t> </a:t>
+            </a:r>
+            <a:r>
+              <a:rPr kumimoji="1" lang="en-US" altLang="zh-CN" dirty="0">
+                <a:solidFill>
+                  <a:srgbClr val="0070C0"/>
+                </a:solidFill>
+              </a:rPr>
+              <a:t>link</a:t>
+            </a:r>
+            <a:r>
+              <a:rPr kumimoji="1" lang="zh-CN" altLang="en-US" dirty="0">
+                <a:solidFill>
+                  <a:srgbClr val="0070C0"/>
+                </a:solidFill>
+              </a:rPr>
+              <a:t> </a:t>
+            </a:r>
+            <a:r>
+              <a:rPr kumimoji="1" lang="en-US" altLang="zh-CN" dirty="0">
+                <a:solidFill>
+                  <a:srgbClr val="0070C0"/>
+                </a:solidFill>
+              </a:rPr>
+              <a:t>utilization</a:t>
+            </a:r>
+            <a:r>
+              <a:rPr kumimoji="1" lang="zh-CN" altLang="en-US" dirty="0">
+                <a:solidFill>
+                  <a:srgbClr val="0070C0"/>
+                </a:solidFill>
+              </a:rPr>
+              <a:t> </a:t>
+            </a:r>
+            <a:r>
+              <a:rPr kumimoji="1" lang="en-US" altLang="zh-CN" dirty="0">
+                <a:solidFill>
+                  <a:srgbClr val="0070C0"/>
+                </a:solidFill>
+              </a:rPr>
+              <a:t>about</a:t>
+            </a:r>
+            <a:r>
+              <a:rPr kumimoji="1" lang="zh-CN" altLang="en-US" dirty="0">
+                <a:solidFill>
+                  <a:srgbClr val="0070C0"/>
+                </a:solidFill>
+              </a:rPr>
+              <a:t> </a:t>
+            </a:r>
+            <a:r>
+              <a:rPr kumimoji="1" lang="en-US" altLang="zh-CN" dirty="0">
+                <a:solidFill>
+                  <a:srgbClr val="0070C0"/>
+                </a:solidFill>
+              </a:rPr>
+              <a:t>30%</a:t>
+            </a:r>
+          </a:p>
+          <a:p>
+            <a:pPr marL="285750" indent="-285750">
+              <a:buFont typeface="Arial" panose="020B0604020202020204" pitchFamily="34" charset="0"/>
+              <a:buChar char="•"/>
+            </a:pPr>
+            <a:r>
+              <a:rPr kumimoji="1" lang="en-US" altLang="zh-CN" dirty="0">
+                <a:solidFill>
+                  <a:srgbClr val="0070C0"/>
+                </a:solidFill>
+              </a:rPr>
+              <a:t>Reduce</a:t>
+            </a:r>
+            <a:r>
+              <a:rPr kumimoji="1" lang="zh-CN" altLang="en-US" dirty="0">
+                <a:solidFill>
+                  <a:srgbClr val="0070C0"/>
+                </a:solidFill>
+              </a:rPr>
+              <a:t> </a:t>
+            </a:r>
+            <a:r>
+              <a:rPr kumimoji="1" lang="en-US" altLang="zh-CN" dirty="0">
+                <a:solidFill>
+                  <a:srgbClr val="0070C0"/>
+                </a:solidFill>
+              </a:rPr>
+              <a:t>flow</a:t>
+            </a:r>
+            <a:r>
+              <a:rPr kumimoji="1" lang="zh-CN" altLang="en-US" dirty="0">
+                <a:solidFill>
+                  <a:srgbClr val="0070C0"/>
+                </a:solidFill>
+              </a:rPr>
+              <a:t> </a:t>
+            </a:r>
+            <a:r>
+              <a:rPr kumimoji="1" lang="en-US" altLang="zh-CN" dirty="0">
+                <a:solidFill>
+                  <a:srgbClr val="0070C0"/>
+                </a:solidFill>
+              </a:rPr>
+              <a:t>completion</a:t>
+            </a:r>
+            <a:r>
+              <a:rPr kumimoji="1" lang="zh-CN" altLang="en-US" dirty="0">
+                <a:solidFill>
+                  <a:srgbClr val="0070C0"/>
+                </a:solidFill>
+              </a:rPr>
+              <a:t> </a:t>
+            </a:r>
+            <a:r>
+              <a:rPr kumimoji="1" lang="en-US" altLang="zh-CN" dirty="0">
+                <a:solidFill>
+                  <a:srgbClr val="0070C0"/>
+                </a:solidFill>
+              </a:rPr>
+              <a:t>time</a:t>
+            </a:r>
+            <a:r>
+              <a:rPr kumimoji="1" lang="zh-CN" altLang="en-US" dirty="0">
+                <a:solidFill>
+                  <a:srgbClr val="0070C0"/>
+                </a:solidFill>
+              </a:rPr>
+              <a:t> </a:t>
+            </a:r>
+            <a:r>
+              <a:rPr kumimoji="1" lang="en-US" altLang="zh-CN" dirty="0">
+                <a:solidFill>
+                  <a:srgbClr val="0070C0"/>
+                </a:solidFill>
+              </a:rPr>
+              <a:t>about</a:t>
+            </a:r>
+            <a:r>
+              <a:rPr kumimoji="1" lang="zh-CN" altLang="en-US" dirty="0">
+                <a:solidFill>
+                  <a:srgbClr val="0070C0"/>
+                </a:solidFill>
+              </a:rPr>
+              <a:t> </a:t>
+            </a:r>
+            <a:r>
+              <a:rPr kumimoji="1" lang="en-US" altLang="zh-CN" dirty="0">
+                <a:solidFill>
+                  <a:srgbClr val="0070C0"/>
+                </a:solidFill>
+              </a:rPr>
+              <a:t>30%</a:t>
+            </a:r>
+            <a:endParaRPr kumimoji="1" lang="zh-SG" altLang="en-US" dirty="0">
+              <a:solidFill>
+                <a:srgbClr val="0070C0"/>
+              </a:solidFill>
+            </a:endParaRPr>
+          </a:p>
+        </p:txBody>
+      </p:sp>
+    </p:spTree>
+    <p:extLst>
+      <p:ext uri="{BB962C8B-B14F-4D97-AF65-F5344CB8AC3E}">
+        <p14:creationId xmlns:p14="http://schemas.microsoft.com/office/powerpoint/2010/main" val="2015885261"/>
       </p:ext>
     </p:extLst>
   </p:cSld>

--- a/TON21TROD/meter.pptx
+++ b/TON21TROD/meter.pptx
@@ -6546,7 +6546,7 @@
                   <a:srgbClr val="0070C0"/>
                 </a:solidFill>
               </a:rPr>
-              <a:t>Max</a:t>
+              <a:t>max</a:t>
             </a:r>
             <a:r>
               <a:rPr kumimoji="1" lang="zh-CN" altLang="en-US" dirty="0">
